--- a/W05/W05_env_install.pptx
+++ b/W05/W05_env_install.pptx
@@ -254,7 +254,7 @@
   </p:defaultTextStyle>
   <p:extLst>
     <p:ext uri="{EFAFB233-063F-42B5-8137-9DF3F51BA10A}">
-      <p15:sldGuideLst xmlns:ahyp="http://schemas.microsoft.com/office/drawing/2018/hyperlinkcolor" xmlns:p15="http://schemas.microsoft.com/office/powerpoint/2012/main" xmlns:p14="http://schemas.microsoft.com/office/powerpoint/2010/main" xmlns:com="http://schemas.openxmlformats.org/drawingml/2006/compatibility" xmlns:pvml="urn:schemas-microsoft-com:office:powerpoint" xmlns:v="urn:schemas-microsoft-com:vml" xmlns:o="urn:schemas-microsoft-com:office:office" xmlns:dgm="http://schemas.openxmlformats.org/drawingml/2006/diagram" xmlns:c="http://schemas.openxmlformats.org/drawingml/2006/chart" xmlns:mv="urn:schemas-microsoft-com:mac:vml" xmlns:mc="http://schemas.openxmlformats.org/markup-compatibility/2006" xmlns="">
+      <p15:sldGuideLst xmlns="" xmlns:mc="http://schemas.openxmlformats.org/markup-compatibility/2006" xmlns:mv="urn:schemas-microsoft-com:mac:vml" xmlns:c="http://schemas.openxmlformats.org/drawingml/2006/chart" xmlns:dgm="http://schemas.openxmlformats.org/drawingml/2006/diagram" xmlns:o="urn:schemas-microsoft-com:office:office" xmlns:v="urn:schemas-microsoft-com:vml" xmlns:pvml="urn:schemas-microsoft-com:office:powerpoint" xmlns:com="http://schemas.openxmlformats.org/drawingml/2006/compatibility" xmlns:p14="http://schemas.microsoft.com/office/powerpoint/2010/main" xmlns:p15="http://schemas.microsoft.com/office/powerpoint/2012/main" xmlns:ahyp="http://schemas.microsoft.com/office/drawing/2018/hyperlinkcolor">
         <p15:guide id="1" orient="horz" pos="2160">
           <p15:clr>
             <a:srgbClr val="000000"/>
@@ -13257,11 +13257,7 @@
             <a:pPr algn="ctr"/>
             <a:r>
               <a:rPr lang="zh-TW" altLang="en-US" dirty="0" smtClean="0"/>
-              <a:t>可以</a:t>
-            </a:r>
-            <a:r>
-              <a:rPr lang="zh-TW" altLang="en-US" dirty="0" smtClean="0"/>
-              <a:t>的話，給他</a:t>
+              <a:t>可以的話，給他</a:t>
             </a:r>
             <a:r>
               <a:rPr lang="en-US" altLang="zh-TW" sz="2000" dirty="0" smtClean="0">
@@ -13818,7 +13814,6 @@
               <a:rPr lang="en-US" altLang="zh-TW" dirty="0" smtClean="0"/>
               <a:t> deactivate</a:t>
             </a:r>
-            <a:endParaRPr lang="en-US" altLang="zh-TW" dirty="0" smtClean="0"/>
           </a:p>
         </p:txBody>
       </p:sp>
@@ -14087,8 +14082,13 @@
             </a:r>
             <a:r>
               <a:rPr lang="en-US" dirty="0" smtClean="0"/>
-              <a:t> create --name py37tf python=3.7.1</a:t>
-            </a:r>
+              <a:t> create --name py37tf </a:t>
+            </a:r>
+            <a:r>
+              <a:rPr lang="en-US" dirty="0" smtClean="0"/>
+              <a:t>python=3.7</a:t>
+            </a:r>
+            <a:endParaRPr lang="en-US" dirty="0" smtClean="0"/>
           </a:p>
           <a:p>
             <a:pPr marL="342900" indent="-228600">
@@ -14148,16 +14148,12 @@
               <a:t>tensorflow</a:t>
             </a:r>
             <a:r>
-              <a:rPr lang="en-US" smtClean="0"/>
-              <a:t>==</a:t>
-            </a:r>
-            <a:r>
-              <a:rPr lang="en-US" smtClean="0"/>
-              <a:t>2.8.2 </a:t>
-            </a:r>
-            <a:r>
               <a:rPr lang="en-US" dirty="0" smtClean="0"/>
-              <a:t>pandas==1.3.5 </a:t>
+              <a:t>==2.8.2 </a:t>
+            </a:r>
+            <a:r>
+              <a:rPr lang="en-US" dirty="0" smtClean="0"/>
+              <a:t>pandas </a:t>
             </a:r>
             <a:r>
               <a:rPr lang="en-US" dirty="0" err="1" smtClean="0"/>
@@ -14277,7 +14273,6 @@
               <a:rPr lang="en-US" altLang="zh-TW" dirty="0" smtClean="0"/>
               <a:t> deactivate</a:t>
             </a:r>
-            <a:endParaRPr lang="en-US" altLang="zh-TW" dirty="0" smtClean="0"/>
           </a:p>
         </p:txBody>
       </p:sp>

--- a/W05/W05_env_install.pptx
+++ b/W05/W05_env_install.pptx
@@ -5,21 +5,17 @@
     <p:sldMasterId id="2147483659" r:id="rId1"/>
   </p:sldMasterIdLst>
   <p:notesMasterIdLst>
-    <p:notesMasterId r:id="rId14"/>
+    <p:notesMasterId r:id="rId10"/>
   </p:notesMasterIdLst>
   <p:sldIdLst>
     <p:sldId id="256" r:id="rId2"/>
     <p:sldId id="267" r:id="rId3"/>
     <p:sldId id="262" r:id="rId4"/>
     <p:sldId id="268" r:id="rId5"/>
-    <p:sldId id="263" r:id="rId6"/>
-    <p:sldId id="269" r:id="rId7"/>
+    <p:sldId id="269" r:id="rId6"/>
+    <p:sldId id="270" r:id="rId7"/>
     <p:sldId id="266" r:id="rId8"/>
     <p:sldId id="265" r:id="rId9"/>
-    <p:sldId id="264" r:id="rId10"/>
-    <p:sldId id="261" r:id="rId11"/>
-    <p:sldId id="259" r:id="rId12"/>
-    <p:sldId id="260" r:id="rId13"/>
   </p:sldIdLst>
   <p:sldSz cx="9144000" cy="6858000" type="screen4x3"/>
   <p:notesSz cx="6858000" cy="9144000"/>
@@ -254,7 +250,7 @@
   </p:defaultTextStyle>
   <p:extLst>
     <p:ext uri="{EFAFB233-063F-42B5-8137-9DF3F51BA10A}">
-      <p15:sldGuideLst xmlns="" xmlns:mc="http://schemas.openxmlformats.org/markup-compatibility/2006" xmlns:mv="urn:schemas-microsoft-com:mac:vml" xmlns:c="http://schemas.openxmlformats.org/drawingml/2006/chart" xmlns:dgm="http://schemas.openxmlformats.org/drawingml/2006/diagram" xmlns:o="urn:schemas-microsoft-com:office:office" xmlns:v="urn:schemas-microsoft-com:vml" xmlns:pvml="urn:schemas-microsoft-com:office:powerpoint" xmlns:com="http://schemas.openxmlformats.org/drawingml/2006/compatibility" xmlns:p14="http://schemas.microsoft.com/office/powerpoint/2010/main" xmlns:p15="http://schemas.microsoft.com/office/powerpoint/2012/main" xmlns:ahyp="http://schemas.microsoft.com/office/drawing/2018/hyperlinkcolor">
+      <p15:sldGuideLst xmlns:ahyp="http://schemas.microsoft.com/office/drawing/2018/hyperlinkcolor" xmlns:p15="http://schemas.microsoft.com/office/powerpoint/2012/main" xmlns:p14="http://schemas.microsoft.com/office/powerpoint/2010/main" xmlns:com="http://schemas.openxmlformats.org/drawingml/2006/compatibility" xmlns:pvml="urn:schemas-microsoft-com:office:powerpoint" xmlns:v="urn:schemas-microsoft-com:vml" xmlns:o="urn:schemas-microsoft-com:office:office" xmlns:dgm="http://schemas.openxmlformats.org/drawingml/2006/diagram" xmlns:c="http://schemas.openxmlformats.org/drawingml/2006/chart" xmlns:mv="urn:schemas-microsoft-com:mac:vml" xmlns:mc="http://schemas.openxmlformats.org/markup-compatibility/2006" xmlns="">
         <p15:guide id="1" orient="horz" pos="2160">
           <p15:clr>
             <a:srgbClr val="000000"/>
@@ -1993,214 +1989,6 @@
 </p:notes>
 </file>
 
-<file path=ppt/notesSlides/notesSlide6.xml><?xml version="1.0" encoding="utf-8"?>
-<p:notes xmlns:a="http://schemas.openxmlformats.org/drawingml/2006/main" xmlns:r="http://schemas.openxmlformats.org/officeDocument/2006/relationships" xmlns:p="http://schemas.openxmlformats.org/presentationml/2006/main" showMasterSp="0" showMasterPhAnim="0">
-  <p:cSld>
-    <p:spTree>
-      <p:nvGrpSpPr>
-        <p:cNvPr id="1" name="Shape 105"/>
-        <p:cNvGrpSpPr/>
-        <p:nvPr/>
-      </p:nvGrpSpPr>
-      <p:grpSpPr>
-        <a:xfrm>
-          <a:off x="0" y="0"/>
-          <a:ext cx="0" cy="0"/>
-          <a:chOff x="0" y="0"/>
-          <a:chExt cx="0" cy="0"/>
-        </a:xfrm>
-      </p:grpSpPr>
-      <p:sp>
-        <p:nvSpPr>
-          <p:cNvPr id="106" name="Google Shape;106;p4:notes"/>
-          <p:cNvSpPr txBox="1">
-            <a:spLocks noGrp="1"/>
-          </p:cNvSpPr>
-          <p:nvPr>
-            <p:ph type="body" idx="1"/>
-          </p:nvPr>
-        </p:nvSpPr>
-        <p:spPr>
-          <a:xfrm>
-            <a:off x="685800" y="4343400"/>
-            <a:ext cx="5486400" cy="4114800"/>
-          </a:xfrm>
-          <a:prstGeom prst="rect">
-            <a:avLst/>
-          </a:prstGeom>
-        </p:spPr>
-        <p:txBody>
-          <a:bodyPr spcFirstLastPara="1" wrap="square" lIns="91425" tIns="45700" rIns="91425" bIns="45700" anchor="t" anchorCtr="0">
-            <a:noAutofit/>
-          </a:bodyPr>
-          <a:lstStyle/>
-          <a:p>
-            <a:pPr marL="0" lvl="0" indent="0" algn="l" rtl="0">
-              <a:spcBef>
-                <a:spcPts val="0"/>
-              </a:spcBef>
-              <a:spcAft>
-                <a:spcPts val="0"/>
-              </a:spcAft>
-              <a:buNone/>
-            </a:pPr>
-            <a:endParaRPr/>
-          </a:p>
-        </p:txBody>
-      </p:sp>
-      <p:sp>
-        <p:nvSpPr>
-          <p:cNvPr id="107" name="Google Shape;107;p4:notes"/>
-          <p:cNvSpPr>
-            <a:spLocks noGrp="1" noRot="1" noChangeAspect="1"/>
-          </p:cNvSpPr>
-          <p:nvPr>
-            <p:ph type="sldImg" idx="2"/>
-          </p:nvPr>
-        </p:nvSpPr>
-        <p:spPr>
-          <a:xfrm>
-            <a:off x="1143000" y="685800"/>
-            <a:ext cx="4572000" cy="3429000"/>
-          </a:xfrm>
-          <a:custGeom>
-            <a:avLst/>
-            <a:gdLst/>
-            <a:ahLst/>
-            <a:cxnLst/>
-            <a:rect l="l" t="t" r="r" b="b"/>
-            <a:pathLst>
-              <a:path w="120000" h="120000" extrusionOk="0">
-                <a:moveTo>
-                  <a:pt x="0" y="0"/>
-                </a:moveTo>
-                <a:lnTo>
-                  <a:pt x="120000" y="0"/>
-                </a:lnTo>
-                <a:lnTo>
-                  <a:pt x="120000" y="120000"/>
-                </a:lnTo>
-                <a:lnTo>
-                  <a:pt x="0" y="120000"/>
-                </a:lnTo>
-                <a:close/>
-              </a:path>
-            </a:pathLst>
-          </a:custGeom>
-        </p:spPr>
-      </p:sp>
-    </p:spTree>
-  </p:cSld>
-  <p:clrMapOvr>
-    <a:masterClrMapping/>
-  </p:clrMapOvr>
-</p:notes>
-</file>
-
-<file path=ppt/notesSlides/notesSlide7.xml><?xml version="1.0" encoding="utf-8"?>
-<p:notes xmlns:a="http://schemas.openxmlformats.org/drawingml/2006/main" xmlns:r="http://schemas.openxmlformats.org/officeDocument/2006/relationships" xmlns:p="http://schemas.openxmlformats.org/presentationml/2006/main" showMasterSp="0" showMasterPhAnim="0">
-  <p:cSld>
-    <p:spTree>
-      <p:nvGrpSpPr>
-        <p:cNvPr id="1" name="Shape 111"/>
-        <p:cNvGrpSpPr/>
-        <p:nvPr/>
-      </p:nvGrpSpPr>
-      <p:grpSpPr>
-        <a:xfrm>
-          <a:off x="0" y="0"/>
-          <a:ext cx="0" cy="0"/>
-          <a:chOff x="0" y="0"/>
-          <a:chExt cx="0" cy="0"/>
-        </a:xfrm>
-      </p:grpSpPr>
-      <p:sp>
-        <p:nvSpPr>
-          <p:cNvPr id="112" name="Google Shape;112;p5:notes"/>
-          <p:cNvSpPr txBox="1">
-            <a:spLocks noGrp="1"/>
-          </p:cNvSpPr>
-          <p:nvPr>
-            <p:ph type="body" idx="1"/>
-          </p:nvPr>
-        </p:nvSpPr>
-        <p:spPr>
-          <a:xfrm>
-            <a:off x="685800" y="4343400"/>
-            <a:ext cx="5486400" cy="4114800"/>
-          </a:xfrm>
-          <a:prstGeom prst="rect">
-            <a:avLst/>
-          </a:prstGeom>
-        </p:spPr>
-        <p:txBody>
-          <a:bodyPr spcFirstLastPara="1" wrap="square" lIns="91425" tIns="45700" rIns="91425" bIns="45700" anchor="t" anchorCtr="0">
-            <a:noAutofit/>
-          </a:bodyPr>
-          <a:lstStyle/>
-          <a:p>
-            <a:pPr marL="0" lvl="0" indent="0" algn="l" rtl="0">
-              <a:spcBef>
-                <a:spcPts val="0"/>
-              </a:spcBef>
-              <a:spcAft>
-                <a:spcPts val="0"/>
-              </a:spcAft>
-              <a:buNone/>
-            </a:pPr>
-            <a:endParaRPr/>
-          </a:p>
-        </p:txBody>
-      </p:sp>
-      <p:sp>
-        <p:nvSpPr>
-          <p:cNvPr id="113" name="Google Shape;113;p5:notes"/>
-          <p:cNvSpPr>
-            <a:spLocks noGrp="1" noRot="1" noChangeAspect="1"/>
-          </p:cNvSpPr>
-          <p:nvPr>
-            <p:ph type="sldImg" idx="2"/>
-          </p:nvPr>
-        </p:nvSpPr>
-        <p:spPr>
-          <a:xfrm>
-            <a:off x="1143000" y="685800"/>
-            <a:ext cx="4572000" cy="3429000"/>
-          </a:xfrm>
-          <a:custGeom>
-            <a:avLst/>
-            <a:gdLst/>
-            <a:ahLst/>
-            <a:cxnLst/>
-            <a:rect l="l" t="t" r="r" b="b"/>
-            <a:pathLst>
-              <a:path w="120000" h="120000" extrusionOk="0">
-                <a:moveTo>
-                  <a:pt x="0" y="0"/>
-                </a:moveTo>
-                <a:lnTo>
-                  <a:pt x="120000" y="0"/>
-                </a:lnTo>
-                <a:lnTo>
-                  <a:pt x="120000" y="120000"/>
-                </a:lnTo>
-                <a:lnTo>
-                  <a:pt x="0" y="120000"/>
-                </a:lnTo>
-                <a:close/>
-              </a:path>
-            </a:pathLst>
-          </a:custGeom>
-        </p:spPr>
-      </p:sp>
-    </p:spTree>
-  </p:cSld>
-  <p:clrMapOvr>
-    <a:masterClrMapping/>
-  </p:clrMapOvr>
-</p:notes>
-</file>
-
 <file path=ppt/slideLayouts/slideLayout1.xml><?xml version="1.0" encoding="utf-8"?>
 <p:sldLayout xmlns:a="http://schemas.openxmlformats.org/drawingml/2006/main" xmlns:r="http://schemas.openxmlformats.org/officeDocument/2006/relationships" xmlns:p="http://schemas.openxmlformats.org/presentationml/2006/main" matchingName="標題投影片" type="title">
   <p:cSld name="TITLE">
@@ -2928,691 +2716,6 @@
 </file>
 
 <file path=ppt/slideLayouts/slideLayout10.xml><?xml version="1.0" encoding="utf-8"?>
-<p:sldLayout xmlns:a="http://schemas.openxmlformats.org/drawingml/2006/main" xmlns:r="http://schemas.openxmlformats.org/officeDocument/2006/relationships" xmlns:p="http://schemas.openxmlformats.org/presentationml/2006/main" matchingName="標題及直排文字" type="vertTx">
-  <p:cSld name="VERTICAL_TEXT">
-    <p:spTree>
-      <p:nvGrpSpPr>
-        <p:cNvPr id="1" name="Shape 74"/>
-        <p:cNvGrpSpPr/>
-        <p:nvPr/>
-      </p:nvGrpSpPr>
-      <p:grpSpPr>
-        <a:xfrm>
-          <a:off x="0" y="0"/>
-          <a:ext cx="0" cy="0"/>
-          <a:chOff x="0" y="0"/>
-          <a:chExt cx="0" cy="0"/>
-        </a:xfrm>
-      </p:grpSpPr>
-      <p:sp>
-        <p:nvSpPr>
-          <p:cNvPr id="75" name="Google Shape;75;p11"/>
-          <p:cNvSpPr txBox="1">
-            <a:spLocks noGrp="1"/>
-          </p:cNvSpPr>
-          <p:nvPr>
-            <p:ph type="title"/>
-          </p:nvPr>
-        </p:nvSpPr>
-        <p:spPr>
-          <a:xfrm>
-            <a:off x="457200" y="274638"/>
-            <a:ext cx="7620000" cy="1143000"/>
-          </a:xfrm>
-          <a:prstGeom prst="rect">
-            <a:avLst/>
-          </a:prstGeom>
-          <a:noFill/>
-          <a:ln>
-            <a:noFill/>
-          </a:ln>
-        </p:spPr>
-        <p:txBody>
-          <a:bodyPr spcFirstLastPara="1" wrap="square" lIns="91425" tIns="45700" rIns="91425" bIns="45700" anchor="ctr" anchorCtr="0">
-            <a:noAutofit/>
-          </a:bodyPr>
-          <a:lstStyle>
-            <a:lvl1pPr lvl="0" algn="l">
-              <a:spcBef>
-                <a:spcPts val="0"/>
-              </a:spcBef>
-              <a:spcAft>
-                <a:spcPts val="0"/>
-              </a:spcAft>
-              <a:buClr>
-                <a:schemeClr val="dk2"/>
-              </a:buClr>
-              <a:buSzPts val="1800"/>
-              <a:buNone/>
-              <a:defRPr/>
-            </a:lvl1pPr>
-            <a:lvl2pPr lvl="1">
-              <a:spcBef>
-                <a:spcPts val="0"/>
-              </a:spcBef>
-              <a:spcAft>
-                <a:spcPts val="0"/>
-              </a:spcAft>
-              <a:buSzPts val="1400"/>
-              <a:buNone/>
-              <a:defRPr/>
-            </a:lvl2pPr>
-            <a:lvl3pPr lvl="2">
-              <a:spcBef>
-                <a:spcPts val="0"/>
-              </a:spcBef>
-              <a:spcAft>
-                <a:spcPts val="0"/>
-              </a:spcAft>
-              <a:buSzPts val="1400"/>
-              <a:buNone/>
-              <a:defRPr/>
-            </a:lvl3pPr>
-            <a:lvl4pPr lvl="3">
-              <a:spcBef>
-                <a:spcPts val="0"/>
-              </a:spcBef>
-              <a:spcAft>
-                <a:spcPts val="0"/>
-              </a:spcAft>
-              <a:buSzPts val="1400"/>
-              <a:buNone/>
-              <a:defRPr/>
-            </a:lvl4pPr>
-            <a:lvl5pPr lvl="4">
-              <a:spcBef>
-                <a:spcPts val="0"/>
-              </a:spcBef>
-              <a:spcAft>
-                <a:spcPts val="0"/>
-              </a:spcAft>
-              <a:buSzPts val="1400"/>
-              <a:buNone/>
-              <a:defRPr/>
-            </a:lvl5pPr>
-            <a:lvl6pPr lvl="5">
-              <a:spcBef>
-                <a:spcPts val="0"/>
-              </a:spcBef>
-              <a:spcAft>
-                <a:spcPts val="0"/>
-              </a:spcAft>
-              <a:buSzPts val="1400"/>
-              <a:buNone/>
-              <a:defRPr/>
-            </a:lvl6pPr>
-            <a:lvl7pPr lvl="6">
-              <a:spcBef>
-                <a:spcPts val="0"/>
-              </a:spcBef>
-              <a:spcAft>
-                <a:spcPts val="0"/>
-              </a:spcAft>
-              <a:buSzPts val="1400"/>
-              <a:buNone/>
-              <a:defRPr/>
-            </a:lvl7pPr>
-            <a:lvl8pPr lvl="7">
-              <a:spcBef>
-                <a:spcPts val="0"/>
-              </a:spcBef>
-              <a:spcAft>
-                <a:spcPts val="0"/>
-              </a:spcAft>
-              <a:buSzPts val="1400"/>
-              <a:buNone/>
-              <a:defRPr/>
-            </a:lvl8pPr>
-            <a:lvl9pPr lvl="8">
-              <a:spcBef>
-                <a:spcPts val="0"/>
-              </a:spcBef>
-              <a:spcAft>
-                <a:spcPts val="0"/>
-              </a:spcAft>
-              <a:buSzPts val="1400"/>
-              <a:buNone/>
-              <a:defRPr/>
-            </a:lvl9pPr>
-          </a:lstStyle>
-          <a:p>
-            <a:endParaRPr/>
-          </a:p>
-        </p:txBody>
-      </p:sp>
-      <p:sp>
-        <p:nvSpPr>
-          <p:cNvPr id="76" name="Google Shape;76;p11"/>
-          <p:cNvSpPr txBox="1">
-            <a:spLocks noGrp="1"/>
-          </p:cNvSpPr>
-          <p:nvPr>
-            <p:ph type="body" idx="1"/>
-          </p:nvPr>
-        </p:nvSpPr>
-        <p:spPr>
-          <a:xfrm rot="5400000">
-            <a:off x="1866900" y="190500"/>
-            <a:ext cx="4800600" cy="7620000"/>
-          </a:xfrm>
-          <a:prstGeom prst="rect">
-            <a:avLst/>
-          </a:prstGeom>
-          <a:noFill/>
-          <a:ln>
-            <a:noFill/>
-          </a:ln>
-        </p:spPr>
-        <p:txBody>
-          <a:bodyPr spcFirstLastPara="1" wrap="square" lIns="91425" tIns="45700" rIns="91425" bIns="45700" anchor="t" anchorCtr="0">
-            <a:normAutofit/>
-          </a:bodyPr>
-          <a:lstStyle>
-            <a:lvl1pPr marL="457200" lvl="0" indent="-342900" algn="l">
-              <a:spcBef>
-                <a:spcPts val="360"/>
-              </a:spcBef>
-              <a:spcAft>
-                <a:spcPts val="0"/>
-              </a:spcAft>
-              <a:buSzPts val="1800"/>
-              <a:buChar char="•"/>
-              <a:defRPr/>
-            </a:lvl1pPr>
-            <a:lvl2pPr marL="914400" lvl="1" indent="-342900" algn="l">
-              <a:spcBef>
-                <a:spcPts val="360"/>
-              </a:spcBef>
-              <a:spcAft>
-                <a:spcPts val="0"/>
-              </a:spcAft>
-              <a:buSzPts val="1800"/>
-              <a:buChar char="•"/>
-              <a:defRPr/>
-            </a:lvl2pPr>
-            <a:lvl3pPr marL="1371600" lvl="2" indent="-342900" algn="l">
-              <a:spcBef>
-                <a:spcPts val="360"/>
-              </a:spcBef>
-              <a:spcAft>
-                <a:spcPts val="0"/>
-              </a:spcAft>
-              <a:buSzPts val="1800"/>
-              <a:buChar char="•"/>
-              <a:defRPr/>
-            </a:lvl3pPr>
-            <a:lvl4pPr marL="1828800" lvl="3" indent="-342900" algn="l">
-              <a:spcBef>
-                <a:spcPts val="360"/>
-              </a:spcBef>
-              <a:spcAft>
-                <a:spcPts val="0"/>
-              </a:spcAft>
-              <a:buSzPts val="1800"/>
-              <a:buChar char="•"/>
-              <a:defRPr/>
-            </a:lvl4pPr>
-            <a:lvl5pPr marL="2286000" lvl="4" indent="-342900" algn="l">
-              <a:spcBef>
-                <a:spcPts val="360"/>
-              </a:spcBef>
-              <a:spcAft>
-                <a:spcPts val="0"/>
-              </a:spcAft>
-              <a:buSzPts val="1800"/>
-              <a:buChar char="•"/>
-              <a:defRPr/>
-            </a:lvl5pPr>
-            <a:lvl6pPr marL="2743200" lvl="5" indent="-342900" algn="l">
-              <a:spcBef>
-                <a:spcPts val="360"/>
-              </a:spcBef>
-              <a:spcAft>
-                <a:spcPts val="0"/>
-              </a:spcAft>
-              <a:buSzPts val="1800"/>
-              <a:buChar char="•"/>
-              <a:defRPr/>
-            </a:lvl6pPr>
-            <a:lvl7pPr marL="3200400" lvl="6" indent="-342900" algn="l">
-              <a:spcBef>
-                <a:spcPts val="360"/>
-              </a:spcBef>
-              <a:spcAft>
-                <a:spcPts val="0"/>
-              </a:spcAft>
-              <a:buSzPts val="1800"/>
-              <a:buChar char="•"/>
-              <a:defRPr/>
-            </a:lvl7pPr>
-            <a:lvl8pPr marL="3657600" lvl="7" indent="-342900" algn="l">
-              <a:spcBef>
-                <a:spcPts val="360"/>
-              </a:spcBef>
-              <a:spcAft>
-                <a:spcPts val="0"/>
-              </a:spcAft>
-              <a:buSzPts val="1800"/>
-              <a:buChar char="•"/>
-              <a:defRPr/>
-            </a:lvl8pPr>
-            <a:lvl9pPr marL="4114800" lvl="8" indent="-342900" algn="l">
-              <a:spcBef>
-                <a:spcPts val="360"/>
-              </a:spcBef>
-              <a:spcAft>
-                <a:spcPts val="0"/>
-              </a:spcAft>
-              <a:buSzPts val="1800"/>
-              <a:buChar char="•"/>
-              <a:defRPr/>
-            </a:lvl9pPr>
-          </a:lstStyle>
-          <a:p>
-            <a:endParaRPr/>
-          </a:p>
-        </p:txBody>
-      </p:sp>
-      <p:sp>
-        <p:nvSpPr>
-          <p:cNvPr id="77" name="Google Shape;77;p11"/>
-          <p:cNvSpPr txBox="1">
-            <a:spLocks noGrp="1"/>
-          </p:cNvSpPr>
-          <p:nvPr>
-            <p:ph type="dt" idx="10"/>
-          </p:nvPr>
-        </p:nvSpPr>
-        <p:spPr>
-          <a:xfrm rot="-5400000">
-            <a:off x="7551351" y="1645920"/>
-            <a:ext cx="2438399" cy="365760"/>
-          </a:xfrm>
-          <a:prstGeom prst="rect">
-            <a:avLst/>
-          </a:prstGeom>
-          <a:noFill/>
-          <a:ln>
-            <a:noFill/>
-          </a:ln>
-        </p:spPr>
-        <p:txBody>
-          <a:bodyPr spcFirstLastPara="1" wrap="square" lIns="91425" tIns="45700" rIns="91425" bIns="45700" anchor="ctr" anchorCtr="0">
-            <a:noAutofit/>
-          </a:bodyPr>
-          <a:lstStyle>
-            <a:lvl1pPr lvl="0" algn="l">
-              <a:spcBef>
-                <a:spcPts val="0"/>
-              </a:spcBef>
-              <a:spcAft>
-                <a:spcPts val="0"/>
-              </a:spcAft>
-              <a:buSzPts val="1400"/>
-              <a:buNone/>
-              <a:defRPr/>
-            </a:lvl1pPr>
-            <a:lvl2pPr lvl="1" algn="l">
-              <a:spcBef>
-                <a:spcPts val="0"/>
-              </a:spcBef>
-              <a:spcAft>
-                <a:spcPts val="0"/>
-              </a:spcAft>
-              <a:buSzPts val="1400"/>
-              <a:buNone/>
-              <a:defRPr/>
-            </a:lvl2pPr>
-            <a:lvl3pPr lvl="2" algn="l">
-              <a:spcBef>
-                <a:spcPts val="0"/>
-              </a:spcBef>
-              <a:spcAft>
-                <a:spcPts val="0"/>
-              </a:spcAft>
-              <a:buSzPts val="1400"/>
-              <a:buNone/>
-              <a:defRPr/>
-            </a:lvl3pPr>
-            <a:lvl4pPr lvl="3" algn="l">
-              <a:spcBef>
-                <a:spcPts val="0"/>
-              </a:spcBef>
-              <a:spcAft>
-                <a:spcPts val="0"/>
-              </a:spcAft>
-              <a:buSzPts val="1400"/>
-              <a:buNone/>
-              <a:defRPr/>
-            </a:lvl4pPr>
-            <a:lvl5pPr lvl="4" algn="l">
-              <a:spcBef>
-                <a:spcPts val="0"/>
-              </a:spcBef>
-              <a:spcAft>
-                <a:spcPts val="0"/>
-              </a:spcAft>
-              <a:buSzPts val="1400"/>
-              <a:buNone/>
-              <a:defRPr/>
-            </a:lvl5pPr>
-            <a:lvl6pPr lvl="5" algn="l">
-              <a:spcBef>
-                <a:spcPts val="0"/>
-              </a:spcBef>
-              <a:spcAft>
-                <a:spcPts val="0"/>
-              </a:spcAft>
-              <a:buSzPts val="1400"/>
-              <a:buNone/>
-              <a:defRPr/>
-            </a:lvl6pPr>
-            <a:lvl7pPr lvl="6" algn="l">
-              <a:spcBef>
-                <a:spcPts val="0"/>
-              </a:spcBef>
-              <a:spcAft>
-                <a:spcPts val="0"/>
-              </a:spcAft>
-              <a:buSzPts val="1400"/>
-              <a:buNone/>
-              <a:defRPr/>
-            </a:lvl7pPr>
-            <a:lvl8pPr lvl="7" algn="l">
-              <a:spcBef>
-                <a:spcPts val="0"/>
-              </a:spcBef>
-              <a:spcAft>
-                <a:spcPts val="0"/>
-              </a:spcAft>
-              <a:buSzPts val="1400"/>
-              <a:buNone/>
-              <a:defRPr/>
-            </a:lvl8pPr>
-            <a:lvl9pPr lvl="8" algn="l">
-              <a:spcBef>
-                <a:spcPts val="0"/>
-              </a:spcBef>
-              <a:spcAft>
-                <a:spcPts val="0"/>
-              </a:spcAft>
-              <a:buSzPts val="1400"/>
-              <a:buNone/>
-              <a:defRPr/>
-            </a:lvl9pPr>
-          </a:lstStyle>
-          <a:p>
-            <a:endParaRPr/>
-          </a:p>
-        </p:txBody>
-      </p:sp>
-      <p:sp>
-        <p:nvSpPr>
-          <p:cNvPr id="78" name="Google Shape;78;p11"/>
-          <p:cNvSpPr txBox="1">
-            <a:spLocks noGrp="1"/>
-          </p:cNvSpPr>
-          <p:nvPr>
-            <p:ph type="ftr" idx="11"/>
-          </p:nvPr>
-        </p:nvSpPr>
-        <p:spPr>
-          <a:xfrm rot="-5400000">
-            <a:off x="7586910" y="4048760"/>
-            <a:ext cx="2367281" cy="365760"/>
-          </a:xfrm>
-          <a:prstGeom prst="rect">
-            <a:avLst/>
-          </a:prstGeom>
-          <a:noFill/>
-          <a:ln>
-            <a:noFill/>
-          </a:ln>
-        </p:spPr>
-        <p:txBody>
-          <a:bodyPr spcFirstLastPara="1" wrap="square" lIns="91425" tIns="45700" rIns="91425" bIns="45700" anchor="ctr" anchorCtr="0">
-            <a:noAutofit/>
-          </a:bodyPr>
-          <a:lstStyle>
-            <a:lvl1pPr lvl="0" algn="r">
-              <a:spcBef>
-                <a:spcPts val="0"/>
-              </a:spcBef>
-              <a:spcAft>
-                <a:spcPts val="0"/>
-              </a:spcAft>
-              <a:buSzPts val="1400"/>
-              <a:buNone/>
-              <a:defRPr/>
-            </a:lvl1pPr>
-            <a:lvl2pPr lvl="1" algn="l">
-              <a:spcBef>
-                <a:spcPts val="0"/>
-              </a:spcBef>
-              <a:spcAft>
-                <a:spcPts val="0"/>
-              </a:spcAft>
-              <a:buSzPts val="1400"/>
-              <a:buNone/>
-              <a:defRPr/>
-            </a:lvl2pPr>
-            <a:lvl3pPr lvl="2" algn="l">
-              <a:spcBef>
-                <a:spcPts val="0"/>
-              </a:spcBef>
-              <a:spcAft>
-                <a:spcPts val="0"/>
-              </a:spcAft>
-              <a:buSzPts val="1400"/>
-              <a:buNone/>
-              <a:defRPr/>
-            </a:lvl3pPr>
-            <a:lvl4pPr lvl="3" algn="l">
-              <a:spcBef>
-                <a:spcPts val="0"/>
-              </a:spcBef>
-              <a:spcAft>
-                <a:spcPts val="0"/>
-              </a:spcAft>
-              <a:buSzPts val="1400"/>
-              <a:buNone/>
-              <a:defRPr/>
-            </a:lvl4pPr>
-            <a:lvl5pPr lvl="4" algn="l">
-              <a:spcBef>
-                <a:spcPts val="0"/>
-              </a:spcBef>
-              <a:spcAft>
-                <a:spcPts val="0"/>
-              </a:spcAft>
-              <a:buSzPts val="1400"/>
-              <a:buNone/>
-              <a:defRPr/>
-            </a:lvl5pPr>
-            <a:lvl6pPr lvl="5" algn="l">
-              <a:spcBef>
-                <a:spcPts val="0"/>
-              </a:spcBef>
-              <a:spcAft>
-                <a:spcPts val="0"/>
-              </a:spcAft>
-              <a:buSzPts val="1400"/>
-              <a:buNone/>
-              <a:defRPr/>
-            </a:lvl6pPr>
-            <a:lvl7pPr lvl="6" algn="l">
-              <a:spcBef>
-                <a:spcPts val="0"/>
-              </a:spcBef>
-              <a:spcAft>
-                <a:spcPts val="0"/>
-              </a:spcAft>
-              <a:buSzPts val="1400"/>
-              <a:buNone/>
-              <a:defRPr/>
-            </a:lvl7pPr>
-            <a:lvl8pPr lvl="7" algn="l">
-              <a:spcBef>
-                <a:spcPts val="0"/>
-              </a:spcBef>
-              <a:spcAft>
-                <a:spcPts val="0"/>
-              </a:spcAft>
-              <a:buSzPts val="1400"/>
-              <a:buNone/>
-              <a:defRPr/>
-            </a:lvl8pPr>
-            <a:lvl9pPr lvl="8" algn="l">
-              <a:spcBef>
-                <a:spcPts val="0"/>
-              </a:spcBef>
-              <a:spcAft>
-                <a:spcPts val="0"/>
-              </a:spcAft>
-              <a:buSzPts val="1400"/>
-              <a:buNone/>
-              <a:defRPr/>
-            </a:lvl9pPr>
-          </a:lstStyle>
-          <a:p>
-            <a:endParaRPr/>
-          </a:p>
-        </p:txBody>
-      </p:sp>
-      <p:sp>
-        <p:nvSpPr>
-          <p:cNvPr id="79" name="Google Shape;79;p11"/>
-          <p:cNvSpPr>
-            <a:spLocks noGrp="1"/>
-          </p:cNvSpPr>
-          <p:nvPr>
-            <p:ph type="sldNum" idx="12"/>
-          </p:nvPr>
-        </p:nvSpPr>
-        <p:spPr>
-          <a:xfrm>
-            <a:off x="8531788" y="5648960"/>
-            <a:ext cx="548640" cy="396240"/>
-          </a:xfrm>
-          <a:prstGeom prst="bracketPair">
-            <a:avLst/>
-          </a:prstGeom>
-          <a:noFill/>
-          <a:ln w="19050" cap="flat" cmpd="sng">
-            <a:solidFill>
-              <a:srgbClr val="FFFFFF"/>
-            </a:solidFill>
-            <a:prstDash val="solid"/>
-            <a:round/>
-            <a:headEnd type="none" w="sm" len="sm"/>
-            <a:tailEnd type="none" w="sm" len="sm"/>
-          </a:ln>
-        </p:spPr>
-        <p:txBody>
-          <a:bodyPr spcFirstLastPara="1" wrap="square" lIns="0" tIns="0" rIns="0" bIns="0" anchor="ctr" anchorCtr="0">
-            <a:noAutofit/>
-          </a:bodyPr>
-          <a:lstStyle>
-            <a:lvl1pPr marL="0" lvl="0" indent="0" algn="ctr">
-              <a:spcBef>
-                <a:spcPts val="0"/>
-              </a:spcBef>
-              <a:buNone/>
-              <a:defRPr/>
-            </a:lvl1pPr>
-            <a:lvl2pPr marL="0" lvl="1" indent="0" algn="ctr">
-              <a:spcBef>
-                <a:spcPts val="0"/>
-              </a:spcBef>
-              <a:buNone/>
-              <a:defRPr/>
-            </a:lvl2pPr>
-            <a:lvl3pPr marL="0" lvl="2" indent="0" algn="ctr">
-              <a:spcBef>
-                <a:spcPts val="0"/>
-              </a:spcBef>
-              <a:buNone/>
-              <a:defRPr/>
-            </a:lvl3pPr>
-            <a:lvl4pPr marL="0" lvl="3" indent="0" algn="ctr">
-              <a:spcBef>
-                <a:spcPts val="0"/>
-              </a:spcBef>
-              <a:buNone/>
-              <a:defRPr/>
-            </a:lvl4pPr>
-            <a:lvl5pPr marL="0" lvl="4" indent="0" algn="ctr">
-              <a:spcBef>
-                <a:spcPts val="0"/>
-              </a:spcBef>
-              <a:buNone/>
-              <a:defRPr/>
-            </a:lvl5pPr>
-            <a:lvl6pPr marL="0" lvl="5" indent="0" algn="ctr">
-              <a:spcBef>
-                <a:spcPts val="0"/>
-              </a:spcBef>
-              <a:buNone/>
-              <a:defRPr/>
-            </a:lvl6pPr>
-            <a:lvl7pPr marL="0" lvl="6" indent="0" algn="ctr">
-              <a:spcBef>
-                <a:spcPts val="0"/>
-              </a:spcBef>
-              <a:buNone/>
-              <a:defRPr/>
-            </a:lvl7pPr>
-            <a:lvl8pPr marL="0" lvl="7" indent="0" algn="ctr">
-              <a:spcBef>
-                <a:spcPts val="0"/>
-              </a:spcBef>
-              <a:buNone/>
-              <a:defRPr/>
-            </a:lvl8pPr>
-            <a:lvl9pPr marL="0" lvl="8" indent="0" algn="ctr">
-              <a:spcBef>
-                <a:spcPts val="0"/>
-              </a:spcBef>
-              <a:buNone/>
-              <a:defRPr/>
-            </a:lvl9pPr>
-          </a:lstStyle>
-          <a:p>
-            <a:pPr marL="0" lvl="0" indent="0" algn="ctr" rtl="0">
-              <a:spcBef>
-                <a:spcPts val="0"/>
-              </a:spcBef>
-              <a:spcAft>
-                <a:spcPts val="0"/>
-              </a:spcAft>
-              <a:buNone/>
-            </a:pPr>
-            <a:fld id="{00000000-1234-1234-1234-123412341234}" type="slidenum">
-              <a:rPr lang="en-US"/>
-              <a:pPr marL="0" lvl="0" indent="0" algn="ctr" rtl="0">
-                <a:spcBef>
-                  <a:spcPts val="0"/>
-                </a:spcBef>
-                <a:spcAft>
-                  <a:spcPts val="0"/>
-                </a:spcAft>
-                <a:buNone/>
-              </a:pPr>
-              <a:t>‹#›</a:t>
-            </a:fld>
-            <a:endParaRPr/>
-          </a:p>
-        </p:txBody>
-      </p:sp>
-    </p:spTree>
-  </p:cSld>
-  <p:clrMapOvr>
-    <a:masterClrMapping/>
-  </p:clrMapOvr>
-</p:sldLayout>
-</file>
-
-<file path=ppt/slideLayouts/slideLayout11.xml><?xml version="1.0" encoding="utf-8"?>
 <p:sldLayout xmlns:a="http://schemas.openxmlformats.org/drawingml/2006/main" xmlns:r="http://schemas.openxmlformats.org/officeDocument/2006/relationships" xmlns:p="http://schemas.openxmlformats.org/presentationml/2006/main" matchingName="直排標題及文字" type="vertTitleAndTx">
   <p:cSld name="VERTICAL_TITLE_AND_VERTICAL_TEXT">
     <p:spTree>
@@ -4983,728 +4086,6 @@
 </file>
 
 <file path=ppt/slideLayouts/slideLayout3.xml><?xml version="1.0" encoding="utf-8"?>
-<p:sldLayout xmlns:a="http://schemas.openxmlformats.org/drawingml/2006/main" xmlns:r="http://schemas.openxmlformats.org/officeDocument/2006/relationships" xmlns:p="http://schemas.openxmlformats.org/presentationml/2006/main" matchingName="章節標題" type="secHead">
-  <p:cSld name="SECTION_HEADER">
-    <p:spTree>
-      <p:nvGrpSpPr>
-        <p:cNvPr id="1" name="Shape 29"/>
-        <p:cNvGrpSpPr/>
-        <p:nvPr/>
-      </p:nvGrpSpPr>
-      <p:grpSpPr>
-        <a:xfrm>
-          <a:off x="0" y="0"/>
-          <a:ext cx="0" cy="0"/>
-          <a:chOff x="0" y="0"/>
-          <a:chExt cx="0" cy="0"/>
-        </a:xfrm>
-      </p:grpSpPr>
-      <p:sp>
-        <p:nvSpPr>
-          <p:cNvPr id="30" name="Google Shape;30;p4"/>
-          <p:cNvSpPr txBox="1">
-            <a:spLocks noGrp="1"/>
-          </p:cNvSpPr>
-          <p:nvPr>
-            <p:ph type="title"/>
-          </p:nvPr>
-        </p:nvSpPr>
-        <p:spPr>
-          <a:xfrm>
-            <a:off x="722313" y="5486400"/>
-            <a:ext cx="7659687" cy="1168400"/>
-          </a:xfrm>
-          <a:prstGeom prst="rect">
-            <a:avLst/>
-          </a:prstGeom>
-          <a:noFill/>
-          <a:ln>
-            <a:noFill/>
-          </a:ln>
-        </p:spPr>
-        <p:txBody>
-          <a:bodyPr spcFirstLastPara="1" wrap="square" lIns="91425" tIns="45700" rIns="91425" bIns="45700" anchor="t" anchorCtr="0">
-            <a:noAutofit/>
-          </a:bodyPr>
-          <a:lstStyle>
-            <a:lvl1pPr lvl="0" algn="l">
-              <a:spcBef>
-                <a:spcPts val="0"/>
-              </a:spcBef>
-              <a:spcAft>
-                <a:spcPts val="0"/>
-              </a:spcAft>
-              <a:buClr>
-                <a:schemeClr val="dk2"/>
-              </a:buClr>
-              <a:buSzPts val="3600"/>
-              <a:buFont typeface="Cambria"/>
-              <a:buNone/>
-              <a:defRPr sz="3600" b="0" cap="none"/>
-            </a:lvl1pPr>
-            <a:lvl2pPr lvl="1">
-              <a:spcBef>
-                <a:spcPts val="0"/>
-              </a:spcBef>
-              <a:spcAft>
-                <a:spcPts val="0"/>
-              </a:spcAft>
-              <a:buSzPts val="1400"/>
-              <a:buNone/>
-              <a:defRPr/>
-            </a:lvl2pPr>
-            <a:lvl3pPr lvl="2">
-              <a:spcBef>
-                <a:spcPts val="0"/>
-              </a:spcBef>
-              <a:spcAft>
-                <a:spcPts val="0"/>
-              </a:spcAft>
-              <a:buSzPts val="1400"/>
-              <a:buNone/>
-              <a:defRPr/>
-            </a:lvl3pPr>
-            <a:lvl4pPr lvl="3">
-              <a:spcBef>
-                <a:spcPts val="0"/>
-              </a:spcBef>
-              <a:spcAft>
-                <a:spcPts val="0"/>
-              </a:spcAft>
-              <a:buSzPts val="1400"/>
-              <a:buNone/>
-              <a:defRPr/>
-            </a:lvl4pPr>
-            <a:lvl5pPr lvl="4">
-              <a:spcBef>
-                <a:spcPts val="0"/>
-              </a:spcBef>
-              <a:spcAft>
-                <a:spcPts val="0"/>
-              </a:spcAft>
-              <a:buSzPts val="1400"/>
-              <a:buNone/>
-              <a:defRPr/>
-            </a:lvl5pPr>
-            <a:lvl6pPr lvl="5">
-              <a:spcBef>
-                <a:spcPts val="0"/>
-              </a:spcBef>
-              <a:spcAft>
-                <a:spcPts val="0"/>
-              </a:spcAft>
-              <a:buSzPts val="1400"/>
-              <a:buNone/>
-              <a:defRPr/>
-            </a:lvl6pPr>
-            <a:lvl7pPr lvl="6">
-              <a:spcBef>
-                <a:spcPts val="0"/>
-              </a:spcBef>
-              <a:spcAft>
-                <a:spcPts val="0"/>
-              </a:spcAft>
-              <a:buSzPts val="1400"/>
-              <a:buNone/>
-              <a:defRPr/>
-            </a:lvl7pPr>
-            <a:lvl8pPr lvl="7">
-              <a:spcBef>
-                <a:spcPts val="0"/>
-              </a:spcBef>
-              <a:spcAft>
-                <a:spcPts val="0"/>
-              </a:spcAft>
-              <a:buSzPts val="1400"/>
-              <a:buNone/>
-              <a:defRPr/>
-            </a:lvl8pPr>
-            <a:lvl9pPr lvl="8">
-              <a:spcBef>
-                <a:spcPts val="0"/>
-              </a:spcBef>
-              <a:spcAft>
-                <a:spcPts val="0"/>
-              </a:spcAft>
-              <a:buSzPts val="1400"/>
-              <a:buNone/>
-              <a:defRPr/>
-            </a:lvl9pPr>
-          </a:lstStyle>
-          <a:p>
-            <a:endParaRPr/>
-          </a:p>
-        </p:txBody>
-      </p:sp>
-      <p:sp>
-        <p:nvSpPr>
-          <p:cNvPr id="31" name="Google Shape;31;p4"/>
-          <p:cNvSpPr txBox="1">
-            <a:spLocks noGrp="1"/>
-          </p:cNvSpPr>
-          <p:nvPr>
-            <p:ph type="body" idx="1"/>
-          </p:nvPr>
-        </p:nvSpPr>
-        <p:spPr>
-          <a:xfrm>
-            <a:off x="722313" y="3852863"/>
-            <a:ext cx="6135687" cy="1633538"/>
-          </a:xfrm>
-          <a:prstGeom prst="rect">
-            <a:avLst/>
-          </a:prstGeom>
-          <a:noFill/>
-          <a:ln>
-            <a:noFill/>
-          </a:ln>
-        </p:spPr>
-        <p:txBody>
-          <a:bodyPr spcFirstLastPara="1" wrap="square" lIns="91425" tIns="45700" rIns="91425" bIns="45700" anchor="b" anchorCtr="0">
-            <a:normAutofit/>
-          </a:bodyPr>
-          <a:lstStyle>
-            <a:lvl1pPr marL="457200" lvl="0" indent="-228600" algn="l">
-              <a:spcBef>
-                <a:spcPts val="400"/>
-              </a:spcBef>
-              <a:spcAft>
-                <a:spcPts val="0"/>
-              </a:spcAft>
-              <a:buSzPts val="2000"/>
-              <a:buNone/>
-              <a:defRPr sz="2000">
-                <a:solidFill>
-                  <a:srgbClr val="8C8B8A"/>
-                </a:solidFill>
-              </a:defRPr>
-            </a:lvl1pPr>
-            <a:lvl2pPr marL="914400" lvl="1" indent="-228600" algn="l">
-              <a:spcBef>
-                <a:spcPts val="360"/>
-              </a:spcBef>
-              <a:spcAft>
-                <a:spcPts val="0"/>
-              </a:spcAft>
-              <a:buSzPts val="1800"/>
-              <a:buNone/>
-              <a:defRPr sz="1800">
-                <a:solidFill>
-                  <a:srgbClr val="8C8B8A"/>
-                </a:solidFill>
-              </a:defRPr>
-            </a:lvl2pPr>
-            <a:lvl3pPr marL="1371600" lvl="2" indent="-228600" algn="l">
-              <a:spcBef>
-                <a:spcPts val="320"/>
-              </a:spcBef>
-              <a:spcAft>
-                <a:spcPts val="0"/>
-              </a:spcAft>
-              <a:buSzPts val="1600"/>
-              <a:buNone/>
-              <a:defRPr sz="1600">
-                <a:solidFill>
-                  <a:srgbClr val="8C8B8A"/>
-                </a:solidFill>
-              </a:defRPr>
-            </a:lvl3pPr>
-            <a:lvl4pPr marL="1828800" lvl="3" indent="-228600" algn="l">
-              <a:spcBef>
-                <a:spcPts val="280"/>
-              </a:spcBef>
-              <a:spcAft>
-                <a:spcPts val="0"/>
-              </a:spcAft>
-              <a:buSzPts val="1400"/>
-              <a:buNone/>
-              <a:defRPr sz="1400">
-                <a:solidFill>
-                  <a:srgbClr val="8C8B8A"/>
-                </a:solidFill>
-              </a:defRPr>
-            </a:lvl4pPr>
-            <a:lvl5pPr marL="2286000" lvl="4" indent="-228600" algn="l">
-              <a:spcBef>
-                <a:spcPts val="280"/>
-              </a:spcBef>
-              <a:spcAft>
-                <a:spcPts val="0"/>
-              </a:spcAft>
-              <a:buSzPts val="1400"/>
-              <a:buNone/>
-              <a:defRPr sz="1400">
-                <a:solidFill>
-                  <a:srgbClr val="8C8B8A"/>
-                </a:solidFill>
-              </a:defRPr>
-            </a:lvl5pPr>
-            <a:lvl6pPr marL="2743200" lvl="5" indent="-228600" algn="l">
-              <a:spcBef>
-                <a:spcPts val="280"/>
-              </a:spcBef>
-              <a:spcAft>
-                <a:spcPts val="0"/>
-              </a:spcAft>
-              <a:buSzPts val="1400"/>
-              <a:buNone/>
-              <a:defRPr sz="1400">
-                <a:solidFill>
-                  <a:srgbClr val="8C8B8A"/>
-                </a:solidFill>
-              </a:defRPr>
-            </a:lvl6pPr>
-            <a:lvl7pPr marL="3200400" lvl="6" indent="-228600" algn="l">
-              <a:spcBef>
-                <a:spcPts val="280"/>
-              </a:spcBef>
-              <a:spcAft>
-                <a:spcPts val="0"/>
-              </a:spcAft>
-              <a:buSzPts val="1400"/>
-              <a:buNone/>
-              <a:defRPr sz="1400">
-                <a:solidFill>
-                  <a:srgbClr val="8C8B8A"/>
-                </a:solidFill>
-              </a:defRPr>
-            </a:lvl7pPr>
-            <a:lvl8pPr marL="3657600" lvl="7" indent="-228600" algn="l">
-              <a:spcBef>
-                <a:spcPts val="280"/>
-              </a:spcBef>
-              <a:spcAft>
-                <a:spcPts val="0"/>
-              </a:spcAft>
-              <a:buSzPts val="1400"/>
-              <a:buNone/>
-              <a:defRPr sz="1400">
-                <a:solidFill>
-                  <a:srgbClr val="8C8B8A"/>
-                </a:solidFill>
-              </a:defRPr>
-            </a:lvl8pPr>
-            <a:lvl9pPr marL="4114800" lvl="8" indent="-228600" algn="l">
-              <a:spcBef>
-                <a:spcPts val="280"/>
-              </a:spcBef>
-              <a:spcAft>
-                <a:spcPts val="0"/>
-              </a:spcAft>
-              <a:buSzPts val="1400"/>
-              <a:buNone/>
-              <a:defRPr sz="1400">
-                <a:solidFill>
-                  <a:srgbClr val="8C8B8A"/>
-                </a:solidFill>
-              </a:defRPr>
-            </a:lvl9pPr>
-          </a:lstStyle>
-          <a:p>
-            <a:endParaRPr/>
-          </a:p>
-        </p:txBody>
-      </p:sp>
-      <p:sp>
-        <p:nvSpPr>
-          <p:cNvPr id="32" name="Google Shape;32;p4"/>
-          <p:cNvSpPr txBox="1">
-            <a:spLocks noGrp="1"/>
-          </p:cNvSpPr>
-          <p:nvPr>
-            <p:ph type="dt" idx="10"/>
-          </p:nvPr>
-        </p:nvSpPr>
-        <p:spPr>
-          <a:xfrm rot="-5400000">
-            <a:off x="7551351" y="1645920"/>
-            <a:ext cx="2438399" cy="365760"/>
-          </a:xfrm>
-          <a:prstGeom prst="rect">
-            <a:avLst/>
-          </a:prstGeom>
-          <a:noFill/>
-          <a:ln>
-            <a:noFill/>
-          </a:ln>
-        </p:spPr>
-        <p:txBody>
-          <a:bodyPr spcFirstLastPara="1" wrap="square" lIns="91425" tIns="45700" rIns="91425" bIns="45700" anchor="ctr" anchorCtr="0">
-            <a:noAutofit/>
-          </a:bodyPr>
-          <a:lstStyle>
-            <a:lvl1pPr lvl="0" algn="l">
-              <a:spcBef>
-                <a:spcPts val="0"/>
-              </a:spcBef>
-              <a:spcAft>
-                <a:spcPts val="0"/>
-              </a:spcAft>
-              <a:buSzPts val="1400"/>
-              <a:buNone/>
-              <a:defRPr/>
-            </a:lvl1pPr>
-            <a:lvl2pPr lvl="1" algn="l">
-              <a:spcBef>
-                <a:spcPts val="0"/>
-              </a:spcBef>
-              <a:spcAft>
-                <a:spcPts val="0"/>
-              </a:spcAft>
-              <a:buSzPts val="1400"/>
-              <a:buNone/>
-              <a:defRPr/>
-            </a:lvl2pPr>
-            <a:lvl3pPr lvl="2" algn="l">
-              <a:spcBef>
-                <a:spcPts val="0"/>
-              </a:spcBef>
-              <a:spcAft>
-                <a:spcPts val="0"/>
-              </a:spcAft>
-              <a:buSzPts val="1400"/>
-              <a:buNone/>
-              <a:defRPr/>
-            </a:lvl3pPr>
-            <a:lvl4pPr lvl="3" algn="l">
-              <a:spcBef>
-                <a:spcPts val="0"/>
-              </a:spcBef>
-              <a:spcAft>
-                <a:spcPts val="0"/>
-              </a:spcAft>
-              <a:buSzPts val="1400"/>
-              <a:buNone/>
-              <a:defRPr/>
-            </a:lvl4pPr>
-            <a:lvl5pPr lvl="4" algn="l">
-              <a:spcBef>
-                <a:spcPts val="0"/>
-              </a:spcBef>
-              <a:spcAft>
-                <a:spcPts val="0"/>
-              </a:spcAft>
-              <a:buSzPts val="1400"/>
-              <a:buNone/>
-              <a:defRPr/>
-            </a:lvl5pPr>
-            <a:lvl6pPr lvl="5" algn="l">
-              <a:spcBef>
-                <a:spcPts val="0"/>
-              </a:spcBef>
-              <a:spcAft>
-                <a:spcPts val="0"/>
-              </a:spcAft>
-              <a:buSzPts val="1400"/>
-              <a:buNone/>
-              <a:defRPr/>
-            </a:lvl6pPr>
-            <a:lvl7pPr lvl="6" algn="l">
-              <a:spcBef>
-                <a:spcPts val="0"/>
-              </a:spcBef>
-              <a:spcAft>
-                <a:spcPts val="0"/>
-              </a:spcAft>
-              <a:buSzPts val="1400"/>
-              <a:buNone/>
-              <a:defRPr/>
-            </a:lvl7pPr>
-            <a:lvl8pPr lvl="7" algn="l">
-              <a:spcBef>
-                <a:spcPts val="0"/>
-              </a:spcBef>
-              <a:spcAft>
-                <a:spcPts val="0"/>
-              </a:spcAft>
-              <a:buSzPts val="1400"/>
-              <a:buNone/>
-              <a:defRPr/>
-            </a:lvl8pPr>
-            <a:lvl9pPr lvl="8" algn="l">
-              <a:spcBef>
-                <a:spcPts val="0"/>
-              </a:spcBef>
-              <a:spcAft>
-                <a:spcPts val="0"/>
-              </a:spcAft>
-              <a:buSzPts val="1400"/>
-              <a:buNone/>
-              <a:defRPr/>
-            </a:lvl9pPr>
-          </a:lstStyle>
-          <a:p>
-            <a:endParaRPr/>
-          </a:p>
-        </p:txBody>
-      </p:sp>
-      <p:sp>
-        <p:nvSpPr>
-          <p:cNvPr id="33" name="Google Shape;33;p4"/>
-          <p:cNvSpPr txBox="1">
-            <a:spLocks noGrp="1"/>
-          </p:cNvSpPr>
-          <p:nvPr>
-            <p:ph type="ftr" idx="11"/>
-          </p:nvPr>
-        </p:nvSpPr>
-        <p:spPr>
-          <a:xfrm rot="-5400000">
-            <a:off x="7586910" y="4048760"/>
-            <a:ext cx="2367281" cy="365760"/>
-          </a:xfrm>
-          <a:prstGeom prst="rect">
-            <a:avLst/>
-          </a:prstGeom>
-          <a:noFill/>
-          <a:ln>
-            <a:noFill/>
-          </a:ln>
-        </p:spPr>
-        <p:txBody>
-          <a:bodyPr spcFirstLastPara="1" wrap="square" lIns="91425" tIns="45700" rIns="91425" bIns="45700" anchor="ctr" anchorCtr="0">
-            <a:noAutofit/>
-          </a:bodyPr>
-          <a:lstStyle>
-            <a:lvl1pPr lvl="0" algn="r">
-              <a:spcBef>
-                <a:spcPts val="0"/>
-              </a:spcBef>
-              <a:spcAft>
-                <a:spcPts val="0"/>
-              </a:spcAft>
-              <a:buSzPts val="1400"/>
-              <a:buNone/>
-              <a:defRPr/>
-            </a:lvl1pPr>
-            <a:lvl2pPr lvl="1" algn="l">
-              <a:spcBef>
-                <a:spcPts val="0"/>
-              </a:spcBef>
-              <a:spcAft>
-                <a:spcPts val="0"/>
-              </a:spcAft>
-              <a:buSzPts val="1400"/>
-              <a:buNone/>
-              <a:defRPr/>
-            </a:lvl2pPr>
-            <a:lvl3pPr lvl="2" algn="l">
-              <a:spcBef>
-                <a:spcPts val="0"/>
-              </a:spcBef>
-              <a:spcAft>
-                <a:spcPts val="0"/>
-              </a:spcAft>
-              <a:buSzPts val="1400"/>
-              <a:buNone/>
-              <a:defRPr/>
-            </a:lvl3pPr>
-            <a:lvl4pPr lvl="3" algn="l">
-              <a:spcBef>
-                <a:spcPts val="0"/>
-              </a:spcBef>
-              <a:spcAft>
-                <a:spcPts val="0"/>
-              </a:spcAft>
-              <a:buSzPts val="1400"/>
-              <a:buNone/>
-              <a:defRPr/>
-            </a:lvl4pPr>
-            <a:lvl5pPr lvl="4" algn="l">
-              <a:spcBef>
-                <a:spcPts val="0"/>
-              </a:spcBef>
-              <a:spcAft>
-                <a:spcPts val="0"/>
-              </a:spcAft>
-              <a:buSzPts val="1400"/>
-              <a:buNone/>
-              <a:defRPr/>
-            </a:lvl5pPr>
-            <a:lvl6pPr lvl="5" algn="l">
-              <a:spcBef>
-                <a:spcPts val="0"/>
-              </a:spcBef>
-              <a:spcAft>
-                <a:spcPts val="0"/>
-              </a:spcAft>
-              <a:buSzPts val="1400"/>
-              <a:buNone/>
-              <a:defRPr/>
-            </a:lvl6pPr>
-            <a:lvl7pPr lvl="6" algn="l">
-              <a:spcBef>
-                <a:spcPts val="0"/>
-              </a:spcBef>
-              <a:spcAft>
-                <a:spcPts val="0"/>
-              </a:spcAft>
-              <a:buSzPts val="1400"/>
-              <a:buNone/>
-              <a:defRPr/>
-            </a:lvl7pPr>
-            <a:lvl8pPr lvl="7" algn="l">
-              <a:spcBef>
-                <a:spcPts val="0"/>
-              </a:spcBef>
-              <a:spcAft>
-                <a:spcPts val="0"/>
-              </a:spcAft>
-              <a:buSzPts val="1400"/>
-              <a:buNone/>
-              <a:defRPr/>
-            </a:lvl8pPr>
-            <a:lvl9pPr lvl="8" algn="l">
-              <a:spcBef>
-                <a:spcPts val="0"/>
-              </a:spcBef>
-              <a:spcAft>
-                <a:spcPts val="0"/>
-              </a:spcAft>
-              <a:buSzPts val="1400"/>
-              <a:buNone/>
-              <a:defRPr/>
-            </a:lvl9pPr>
-          </a:lstStyle>
-          <a:p>
-            <a:endParaRPr/>
-          </a:p>
-        </p:txBody>
-      </p:sp>
-      <p:sp>
-        <p:nvSpPr>
-          <p:cNvPr id="34" name="Google Shape;34;p4"/>
-          <p:cNvSpPr>
-            <a:spLocks noGrp="1"/>
-          </p:cNvSpPr>
-          <p:nvPr>
-            <p:ph type="sldNum" idx="12"/>
-          </p:nvPr>
-        </p:nvSpPr>
-        <p:spPr>
-          <a:xfrm>
-            <a:off x="8531788" y="5648960"/>
-            <a:ext cx="548640" cy="396240"/>
-          </a:xfrm>
-          <a:prstGeom prst="bracketPair">
-            <a:avLst/>
-          </a:prstGeom>
-          <a:noFill/>
-          <a:ln w="19050" cap="flat" cmpd="sng">
-            <a:solidFill>
-              <a:srgbClr val="FFFFFF"/>
-            </a:solidFill>
-            <a:prstDash val="solid"/>
-            <a:round/>
-            <a:headEnd type="none" w="sm" len="sm"/>
-            <a:tailEnd type="none" w="sm" len="sm"/>
-          </a:ln>
-        </p:spPr>
-        <p:txBody>
-          <a:bodyPr spcFirstLastPara="1" wrap="square" lIns="0" tIns="0" rIns="0" bIns="0" anchor="ctr" anchorCtr="0">
-            <a:noAutofit/>
-          </a:bodyPr>
-          <a:lstStyle>
-            <a:lvl1pPr marL="0" lvl="0" indent="0" algn="ctr">
-              <a:spcBef>
-                <a:spcPts val="0"/>
-              </a:spcBef>
-              <a:buNone/>
-              <a:defRPr/>
-            </a:lvl1pPr>
-            <a:lvl2pPr marL="0" lvl="1" indent="0" algn="ctr">
-              <a:spcBef>
-                <a:spcPts val="0"/>
-              </a:spcBef>
-              <a:buNone/>
-              <a:defRPr/>
-            </a:lvl2pPr>
-            <a:lvl3pPr marL="0" lvl="2" indent="0" algn="ctr">
-              <a:spcBef>
-                <a:spcPts val="0"/>
-              </a:spcBef>
-              <a:buNone/>
-              <a:defRPr/>
-            </a:lvl3pPr>
-            <a:lvl4pPr marL="0" lvl="3" indent="0" algn="ctr">
-              <a:spcBef>
-                <a:spcPts val="0"/>
-              </a:spcBef>
-              <a:buNone/>
-              <a:defRPr/>
-            </a:lvl4pPr>
-            <a:lvl5pPr marL="0" lvl="4" indent="0" algn="ctr">
-              <a:spcBef>
-                <a:spcPts val="0"/>
-              </a:spcBef>
-              <a:buNone/>
-              <a:defRPr/>
-            </a:lvl5pPr>
-            <a:lvl6pPr marL="0" lvl="5" indent="0" algn="ctr">
-              <a:spcBef>
-                <a:spcPts val="0"/>
-              </a:spcBef>
-              <a:buNone/>
-              <a:defRPr/>
-            </a:lvl6pPr>
-            <a:lvl7pPr marL="0" lvl="6" indent="0" algn="ctr">
-              <a:spcBef>
-                <a:spcPts val="0"/>
-              </a:spcBef>
-              <a:buNone/>
-              <a:defRPr/>
-            </a:lvl7pPr>
-            <a:lvl8pPr marL="0" lvl="7" indent="0" algn="ctr">
-              <a:spcBef>
-                <a:spcPts val="0"/>
-              </a:spcBef>
-              <a:buNone/>
-              <a:defRPr/>
-            </a:lvl8pPr>
-            <a:lvl9pPr marL="0" lvl="8" indent="0" algn="ctr">
-              <a:spcBef>
-                <a:spcPts val="0"/>
-              </a:spcBef>
-              <a:buNone/>
-              <a:defRPr/>
-            </a:lvl9pPr>
-          </a:lstStyle>
-          <a:p>
-            <a:pPr marL="0" lvl="0" indent="0" algn="ctr" rtl="0">
-              <a:spcBef>
-                <a:spcPts val="0"/>
-              </a:spcBef>
-              <a:spcAft>
-                <a:spcPts val="0"/>
-              </a:spcAft>
-              <a:buNone/>
-            </a:pPr>
-            <a:fld id="{00000000-1234-1234-1234-123412341234}" type="slidenum">
-              <a:rPr lang="en-US"/>
-              <a:pPr marL="0" lvl="0" indent="0" algn="ctr" rtl="0">
-                <a:spcBef>
-                  <a:spcPts val="0"/>
-                </a:spcBef>
-                <a:spcAft>
-                  <a:spcPts val="0"/>
-                </a:spcAft>
-                <a:buNone/>
-              </a:pPr>
-              <a:t>‹#›</a:t>
-            </a:fld>
-            <a:endParaRPr/>
-          </a:p>
-        </p:txBody>
-      </p:sp>
-    </p:spTree>
-  </p:cSld>
-  <p:clrMapOvr>
-    <a:masterClrMapping/>
-  </p:clrMapOvr>
-</p:sldLayout>
-</file>
-
-<file path=ppt/slideLayouts/slideLayout4.xml><?xml version="1.0" encoding="utf-8"?>
 <p:sldLayout xmlns:a="http://schemas.openxmlformats.org/drawingml/2006/main" xmlns:r="http://schemas.openxmlformats.org/officeDocument/2006/relationships" xmlns:p="http://schemas.openxmlformats.org/presentationml/2006/main" matchingName="兩項物件" type="twoObj">
   <p:cSld name="TWO_OBJECTS">
     <p:spTree>
@@ -6522,7 +4903,7 @@
 </p:sldLayout>
 </file>
 
-<file path=ppt/slideLayouts/slideLayout5.xml><?xml version="1.0" encoding="utf-8"?>
+<file path=ppt/slideLayouts/slideLayout4.xml><?xml version="1.0" encoding="utf-8"?>
 <p:sldLayout xmlns:a="http://schemas.openxmlformats.org/drawingml/2006/main" xmlns:r="http://schemas.openxmlformats.org/officeDocument/2006/relationships" xmlns:p="http://schemas.openxmlformats.org/presentationml/2006/main" matchingName="比對" type="twoTxTwoObj">
   <p:cSld name="TWO_OBJECTS_WITH_TEXT">
     <p:spTree>
@@ -7615,7 +5996,7 @@
 </p:sldLayout>
 </file>
 
-<file path=ppt/slideLayouts/slideLayout6.xml><?xml version="1.0" encoding="utf-8"?>
+<file path=ppt/slideLayouts/slideLayout5.xml><?xml version="1.0" encoding="utf-8"?>
 <p:sldLayout xmlns:a="http://schemas.openxmlformats.org/drawingml/2006/main" xmlns:r="http://schemas.openxmlformats.org/officeDocument/2006/relationships" xmlns:p="http://schemas.openxmlformats.org/presentationml/2006/main" matchingName="只有標題" type="titleOnly">
   <p:cSld name="TITLE_ONLY">
     <p:spTree>
@@ -8167,7 +6548,7 @@
 </p:sldLayout>
 </file>
 
-<file path=ppt/slideLayouts/slideLayout7.xml><?xml version="1.0" encoding="utf-8"?>
+<file path=ppt/slideLayouts/slideLayout6.xml><?xml version="1.0" encoding="utf-8"?>
 <p:sldLayout xmlns:a="http://schemas.openxmlformats.org/drawingml/2006/main" xmlns:r="http://schemas.openxmlformats.org/officeDocument/2006/relationships" xmlns:p="http://schemas.openxmlformats.org/presentationml/2006/main" matchingName="空白" type="blank">
   <p:cSld name="BLANK">
     <p:spTree>
@@ -8583,7 +6964,7 @@
 </p:sldLayout>
 </file>
 
-<file path=ppt/slideLayouts/slideLayout8.xml><?xml version="1.0" encoding="utf-8"?>
+<file path=ppt/slideLayouts/slideLayout7.xml><?xml version="1.0" encoding="utf-8"?>
 <p:sldLayout xmlns:a="http://schemas.openxmlformats.org/drawingml/2006/main" xmlns:r="http://schemas.openxmlformats.org/officeDocument/2006/relationships" xmlns:p="http://schemas.openxmlformats.org/presentationml/2006/main" matchingName="含標題的內容" type="objTx">
   <p:cSld name="OBJECT_WITH_CAPTION_TEXT">
     <p:spTree>
@@ -9402,7 +7783,7 @@
 </p:sldLayout>
 </file>
 
-<file path=ppt/slideLayouts/slideLayout9.xml><?xml version="1.0" encoding="utf-8"?>
+<file path=ppt/slideLayouts/slideLayout8.xml><?xml version="1.0" encoding="utf-8"?>
 <p:sldLayout xmlns:a="http://schemas.openxmlformats.org/drawingml/2006/main" xmlns:r="http://schemas.openxmlformats.org/officeDocument/2006/relationships" xmlns:p="http://schemas.openxmlformats.org/presentationml/2006/main" matchingName="含標題的圖片" type="picTx">
   <p:cSld name="PICTURE_WITH_CAPTION_TEXT">
     <p:spTree>
@@ -10104,6 +8485,691 @@
             </a:lvl9pPr>
           </a:lstStyle>
           <a:p>
+            <a:endParaRPr/>
+          </a:p>
+        </p:txBody>
+      </p:sp>
+    </p:spTree>
+  </p:cSld>
+  <p:clrMapOvr>
+    <a:masterClrMapping/>
+  </p:clrMapOvr>
+</p:sldLayout>
+</file>
+
+<file path=ppt/slideLayouts/slideLayout9.xml><?xml version="1.0" encoding="utf-8"?>
+<p:sldLayout xmlns:a="http://schemas.openxmlformats.org/drawingml/2006/main" xmlns:r="http://schemas.openxmlformats.org/officeDocument/2006/relationships" xmlns:p="http://schemas.openxmlformats.org/presentationml/2006/main" matchingName="標題及直排文字" type="vertTx">
+  <p:cSld name="VERTICAL_TEXT">
+    <p:spTree>
+      <p:nvGrpSpPr>
+        <p:cNvPr id="1" name="Shape 74"/>
+        <p:cNvGrpSpPr/>
+        <p:nvPr/>
+      </p:nvGrpSpPr>
+      <p:grpSpPr>
+        <a:xfrm>
+          <a:off x="0" y="0"/>
+          <a:ext cx="0" cy="0"/>
+          <a:chOff x="0" y="0"/>
+          <a:chExt cx="0" cy="0"/>
+        </a:xfrm>
+      </p:grpSpPr>
+      <p:sp>
+        <p:nvSpPr>
+          <p:cNvPr id="75" name="Google Shape;75;p11"/>
+          <p:cNvSpPr txBox="1">
+            <a:spLocks noGrp="1"/>
+          </p:cNvSpPr>
+          <p:nvPr>
+            <p:ph type="title"/>
+          </p:nvPr>
+        </p:nvSpPr>
+        <p:spPr>
+          <a:xfrm>
+            <a:off x="457200" y="274638"/>
+            <a:ext cx="7620000" cy="1143000"/>
+          </a:xfrm>
+          <a:prstGeom prst="rect">
+            <a:avLst/>
+          </a:prstGeom>
+          <a:noFill/>
+          <a:ln>
+            <a:noFill/>
+          </a:ln>
+        </p:spPr>
+        <p:txBody>
+          <a:bodyPr spcFirstLastPara="1" wrap="square" lIns="91425" tIns="45700" rIns="91425" bIns="45700" anchor="ctr" anchorCtr="0">
+            <a:noAutofit/>
+          </a:bodyPr>
+          <a:lstStyle>
+            <a:lvl1pPr lvl="0" algn="l">
+              <a:spcBef>
+                <a:spcPts val="0"/>
+              </a:spcBef>
+              <a:spcAft>
+                <a:spcPts val="0"/>
+              </a:spcAft>
+              <a:buClr>
+                <a:schemeClr val="dk2"/>
+              </a:buClr>
+              <a:buSzPts val="1800"/>
+              <a:buNone/>
+              <a:defRPr/>
+            </a:lvl1pPr>
+            <a:lvl2pPr lvl="1">
+              <a:spcBef>
+                <a:spcPts val="0"/>
+              </a:spcBef>
+              <a:spcAft>
+                <a:spcPts val="0"/>
+              </a:spcAft>
+              <a:buSzPts val="1400"/>
+              <a:buNone/>
+              <a:defRPr/>
+            </a:lvl2pPr>
+            <a:lvl3pPr lvl="2">
+              <a:spcBef>
+                <a:spcPts val="0"/>
+              </a:spcBef>
+              <a:spcAft>
+                <a:spcPts val="0"/>
+              </a:spcAft>
+              <a:buSzPts val="1400"/>
+              <a:buNone/>
+              <a:defRPr/>
+            </a:lvl3pPr>
+            <a:lvl4pPr lvl="3">
+              <a:spcBef>
+                <a:spcPts val="0"/>
+              </a:spcBef>
+              <a:spcAft>
+                <a:spcPts val="0"/>
+              </a:spcAft>
+              <a:buSzPts val="1400"/>
+              <a:buNone/>
+              <a:defRPr/>
+            </a:lvl4pPr>
+            <a:lvl5pPr lvl="4">
+              <a:spcBef>
+                <a:spcPts val="0"/>
+              </a:spcBef>
+              <a:spcAft>
+                <a:spcPts val="0"/>
+              </a:spcAft>
+              <a:buSzPts val="1400"/>
+              <a:buNone/>
+              <a:defRPr/>
+            </a:lvl5pPr>
+            <a:lvl6pPr lvl="5">
+              <a:spcBef>
+                <a:spcPts val="0"/>
+              </a:spcBef>
+              <a:spcAft>
+                <a:spcPts val="0"/>
+              </a:spcAft>
+              <a:buSzPts val="1400"/>
+              <a:buNone/>
+              <a:defRPr/>
+            </a:lvl6pPr>
+            <a:lvl7pPr lvl="6">
+              <a:spcBef>
+                <a:spcPts val="0"/>
+              </a:spcBef>
+              <a:spcAft>
+                <a:spcPts val="0"/>
+              </a:spcAft>
+              <a:buSzPts val="1400"/>
+              <a:buNone/>
+              <a:defRPr/>
+            </a:lvl7pPr>
+            <a:lvl8pPr lvl="7">
+              <a:spcBef>
+                <a:spcPts val="0"/>
+              </a:spcBef>
+              <a:spcAft>
+                <a:spcPts val="0"/>
+              </a:spcAft>
+              <a:buSzPts val="1400"/>
+              <a:buNone/>
+              <a:defRPr/>
+            </a:lvl8pPr>
+            <a:lvl9pPr lvl="8">
+              <a:spcBef>
+                <a:spcPts val="0"/>
+              </a:spcBef>
+              <a:spcAft>
+                <a:spcPts val="0"/>
+              </a:spcAft>
+              <a:buSzPts val="1400"/>
+              <a:buNone/>
+              <a:defRPr/>
+            </a:lvl9pPr>
+          </a:lstStyle>
+          <a:p>
+            <a:endParaRPr/>
+          </a:p>
+        </p:txBody>
+      </p:sp>
+      <p:sp>
+        <p:nvSpPr>
+          <p:cNvPr id="76" name="Google Shape;76;p11"/>
+          <p:cNvSpPr txBox="1">
+            <a:spLocks noGrp="1"/>
+          </p:cNvSpPr>
+          <p:nvPr>
+            <p:ph type="body" idx="1"/>
+          </p:nvPr>
+        </p:nvSpPr>
+        <p:spPr>
+          <a:xfrm rot="5400000">
+            <a:off x="1866900" y="190500"/>
+            <a:ext cx="4800600" cy="7620000"/>
+          </a:xfrm>
+          <a:prstGeom prst="rect">
+            <a:avLst/>
+          </a:prstGeom>
+          <a:noFill/>
+          <a:ln>
+            <a:noFill/>
+          </a:ln>
+        </p:spPr>
+        <p:txBody>
+          <a:bodyPr spcFirstLastPara="1" wrap="square" lIns="91425" tIns="45700" rIns="91425" bIns="45700" anchor="t" anchorCtr="0">
+            <a:normAutofit/>
+          </a:bodyPr>
+          <a:lstStyle>
+            <a:lvl1pPr marL="457200" lvl="0" indent="-342900" algn="l">
+              <a:spcBef>
+                <a:spcPts val="360"/>
+              </a:spcBef>
+              <a:spcAft>
+                <a:spcPts val="0"/>
+              </a:spcAft>
+              <a:buSzPts val="1800"/>
+              <a:buChar char="•"/>
+              <a:defRPr/>
+            </a:lvl1pPr>
+            <a:lvl2pPr marL="914400" lvl="1" indent="-342900" algn="l">
+              <a:spcBef>
+                <a:spcPts val="360"/>
+              </a:spcBef>
+              <a:spcAft>
+                <a:spcPts val="0"/>
+              </a:spcAft>
+              <a:buSzPts val="1800"/>
+              <a:buChar char="•"/>
+              <a:defRPr/>
+            </a:lvl2pPr>
+            <a:lvl3pPr marL="1371600" lvl="2" indent="-342900" algn="l">
+              <a:spcBef>
+                <a:spcPts val="360"/>
+              </a:spcBef>
+              <a:spcAft>
+                <a:spcPts val="0"/>
+              </a:spcAft>
+              <a:buSzPts val="1800"/>
+              <a:buChar char="•"/>
+              <a:defRPr/>
+            </a:lvl3pPr>
+            <a:lvl4pPr marL="1828800" lvl="3" indent="-342900" algn="l">
+              <a:spcBef>
+                <a:spcPts val="360"/>
+              </a:spcBef>
+              <a:spcAft>
+                <a:spcPts val="0"/>
+              </a:spcAft>
+              <a:buSzPts val="1800"/>
+              <a:buChar char="•"/>
+              <a:defRPr/>
+            </a:lvl4pPr>
+            <a:lvl5pPr marL="2286000" lvl="4" indent="-342900" algn="l">
+              <a:spcBef>
+                <a:spcPts val="360"/>
+              </a:spcBef>
+              <a:spcAft>
+                <a:spcPts val="0"/>
+              </a:spcAft>
+              <a:buSzPts val="1800"/>
+              <a:buChar char="•"/>
+              <a:defRPr/>
+            </a:lvl5pPr>
+            <a:lvl6pPr marL="2743200" lvl="5" indent="-342900" algn="l">
+              <a:spcBef>
+                <a:spcPts val="360"/>
+              </a:spcBef>
+              <a:spcAft>
+                <a:spcPts val="0"/>
+              </a:spcAft>
+              <a:buSzPts val="1800"/>
+              <a:buChar char="•"/>
+              <a:defRPr/>
+            </a:lvl6pPr>
+            <a:lvl7pPr marL="3200400" lvl="6" indent="-342900" algn="l">
+              <a:spcBef>
+                <a:spcPts val="360"/>
+              </a:spcBef>
+              <a:spcAft>
+                <a:spcPts val="0"/>
+              </a:spcAft>
+              <a:buSzPts val="1800"/>
+              <a:buChar char="•"/>
+              <a:defRPr/>
+            </a:lvl7pPr>
+            <a:lvl8pPr marL="3657600" lvl="7" indent="-342900" algn="l">
+              <a:spcBef>
+                <a:spcPts val="360"/>
+              </a:spcBef>
+              <a:spcAft>
+                <a:spcPts val="0"/>
+              </a:spcAft>
+              <a:buSzPts val="1800"/>
+              <a:buChar char="•"/>
+              <a:defRPr/>
+            </a:lvl8pPr>
+            <a:lvl9pPr marL="4114800" lvl="8" indent="-342900" algn="l">
+              <a:spcBef>
+                <a:spcPts val="360"/>
+              </a:spcBef>
+              <a:spcAft>
+                <a:spcPts val="0"/>
+              </a:spcAft>
+              <a:buSzPts val="1800"/>
+              <a:buChar char="•"/>
+              <a:defRPr/>
+            </a:lvl9pPr>
+          </a:lstStyle>
+          <a:p>
+            <a:endParaRPr/>
+          </a:p>
+        </p:txBody>
+      </p:sp>
+      <p:sp>
+        <p:nvSpPr>
+          <p:cNvPr id="77" name="Google Shape;77;p11"/>
+          <p:cNvSpPr txBox="1">
+            <a:spLocks noGrp="1"/>
+          </p:cNvSpPr>
+          <p:nvPr>
+            <p:ph type="dt" idx="10"/>
+          </p:nvPr>
+        </p:nvSpPr>
+        <p:spPr>
+          <a:xfrm rot="-5400000">
+            <a:off x="7551351" y="1645920"/>
+            <a:ext cx="2438399" cy="365760"/>
+          </a:xfrm>
+          <a:prstGeom prst="rect">
+            <a:avLst/>
+          </a:prstGeom>
+          <a:noFill/>
+          <a:ln>
+            <a:noFill/>
+          </a:ln>
+        </p:spPr>
+        <p:txBody>
+          <a:bodyPr spcFirstLastPara="1" wrap="square" lIns="91425" tIns="45700" rIns="91425" bIns="45700" anchor="ctr" anchorCtr="0">
+            <a:noAutofit/>
+          </a:bodyPr>
+          <a:lstStyle>
+            <a:lvl1pPr lvl="0" algn="l">
+              <a:spcBef>
+                <a:spcPts val="0"/>
+              </a:spcBef>
+              <a:spcAft>
+                <a:spcPts val="0"/>
+              </a:spcAft>
+              <a:buSzPts val="1400"/>
+              <a:buNone/>
+              <a:defRPr/>
+            </a:lvl1pPr>
+            <a:lvl2pPr lvl="1" algn="l">
+              <a:spcBef>
+                <a:spcPts val="0"/>
+              </a:spcBef>
+              <a:spcAft>
+                <a:spcPts val="0"/>
+              </a:spcAft>
+              <a:buSzPts val="1400"/>
+              <a:buNone/>
+              <a:defRPr/>
+            </a:lvl2pPr>
+            <a:lvl3pPr lvl="2" algn="l">
+              <a:spcBef>
+                <a:spcPts val="0"/>
+              </a:spcBef>
+              <a:spcAft>
+                <a:spcPts val="0"/>
+              </a:spcAft>
+              <a:buSzPts val="1400"/>
+              <a:buNone/>
+              <a:defRPr/>
+            </a:lvl3pPr>
+            <a:lvl4pPr lvl="3" algn="l">
+              <a:spcBef>
+                <a:spcPts val="0"/>
+              </a:spcBef>
+              <a:spcAft>
+                <a:spcPts val="0"/>
+              </a:spcAft>
+              <a:buSzPts val="1400"/>
+              <a:buNone/>
+              <a:defRPr/>
+            </a:lvl4pPr>
+            <a:lvl5pPr lvl="4" algn="l">
+              <a:spcBef>
+                <a:spcPts val="0"/>
+              </a:spcBef>
+              <a:spcAft>
+                <a:spcPts val="0"/>
+              </a:spcAft>
+              <a:buSzPts val="1400"/>
+              <a:buNone/>
+              <a:defRPr/>
+            </a:lvl5pPr>
+            <a:lvl6pPr lvl="5" algn="l">
+              <a:spcBef>
+                <a:spcPts val="0"/>
+              </a:spcBef>
+              <a:spcAft>
+                <a:spcPts val="0"/>
+              </a:spcAft>
+              <a:buSzPts val="1400"/>
+              <a:buNone/>
+              <a:defRPr/>
+            </a:lvl6pPr>
+            <a:lvl7pPr lvl="6" algn="l">
+              <a:spcBef>
+                <a:spcPts val="0"/>
+              </a:spcBef>
+              <a:spcAft>
+                <a:spcPts val="0"/>
+              </a:spcAft>
+              <a:buSzPts val="1400"/>
+              <a:buNone/>
+              <a:defRPr/>
+            </a:lvl7pPr>
+            <a:lvl8pPr lvl="7" algn="l">
+              <a:spcBef>
+                <a:spcPts val="0"/>
+              </a:spcBef>
+              <a:spcAft>
+                <a:spcPts val="0"/>
+              </a:spcAft>
+              <a:buSzPts val="1400"/>
+              <a:buNone/>
+              <a:defRPr/>
+            </a:lvl8pPr>
+            <a:lvl9pPr lvl="8" algn="l">
+              <a:spcBef>
+                <a:spcPts val="0"/>
+              </a:spcBef>
+              <a:spcAft>
+                <a:spcPts val="0"/>
+              </a:spcAft>
+              <a:buSzPts val="1400"/>
+              <a:buNone/>
+              <a:defRPr/>
+            </a:lvl9pPr>
+          </a:lstStyle>
+          <a:p>
+            <a:endParaRPr/>
+          </a:p>
+        </p:txBody>
+      </p:sp>
+      <p:sp>
+        <p:nvSpPr>
+          <p:cNvPr id="78" name="Google Shape;78;p11"/>
+          <p:cNvSpPr txBox="1">
+            <a:spLocks noGrp="1"/>
+          </p:cNvSpPr>
+          <p:nvPr>
+            <p:ph type="ftr" idx="11"/>
+          </p:nvPr>
+        </p:nvSpPr>
+        <p:spPr>
+          <a:xfrm rot="-5400000">
+            <a:off x="7586910" y="4048760"/>
+            <a:ext cx="2367281" cy="365760"/>
+          </a:xfrm>
+          <a:prstGeom prst="rect">
+            <a:avLst/>
+          </a:prstGeom>
+          <a:noFill/>
+          <a:ln>
+            <a:noFill/>
+          </a:ln>
+        </p:spPr>
+        <p:txBody>
+          <a:bodyPr spcFirstLastPara="1" wrap="square" lIns="91425" tIns="45700" rIns="91425" bIns="45700" anchor="ctr" anchorCtr="0">
+            <a:noAutofit/>
+          </a:bodyPr>
+          <a:lstStyle>
+            <a:lvl1pPr lvl="0" algn="r">
+              <a:spcBef>
+                <a:spcPts val="0"/>
+              </a:spcBef>
+              <a:spcAft>
+                <a:spcPts val="0"/>
+              </a:spcAft>
+              <a:buSzPts val="1400"/>
+              <a:buNone/>
+              <a:defRPr/>
+            </a:lvl1pPr>
+            <a:lvl2pPr lvl="1" algn="l">
+              <a:spcBef>
+                <a:spcPts val="0"/>
+              </a:spcBef>
+              <a:spcAft>
+                <a:spcPts val="0"/>
+              </a:spcAft>
+              <a:buSzPts val="1400"/>
+              <a:buNone/>
+              <a:defRPr/>
+            </a:lvl2pPr>
+            <a:lvl3pPr lvl="2" algn="l">
+              <a:spcBef>
+                <a:spcPts val="0"/>
+              </a:spcBef>
+              <a:spcAft>
+                <a:spcPts val="0"/>
+              </a:spcAft>
+              <a:buSzPts val="1400"/>
+              <a:buNone/>
+              <a:defRPr/>
+            </a:lvl3pPr>
+            <a:lvl4pPr lvl="3" algn="l">
+              <a:spcBef>
+                <a:spcPts val="0"/>
+              </a:spcBef>
+              <a:spcAft>
+                <a:spcPts val="0"/>
+              </a:spcAft>
+              <a:buSzPts val="1400"/>
+              <a:buNone/>
+              <a:defRPr/>
+            </a:lvl4pPr>
+            <a:lvl5pPr lvl="4" algn="l">
+              <a:spcBef>
+                <a:spcPts val="0"/>
+              </a:spcBef>
+              <a:spcAft>
+                <a:spcPts val="0"/>
+              </a:spcAft>
+              <a:buSzPts val="1400"/>
+              <a:buNone/>
+              <a:defRPr/>
+            </a:lvl5pPr>
+            <a:lvl6pPr lvl="5" algn="l">
+              <a:spcBef>
+                <a:spcPts val="0"/>
+              </a:spcBef>
+              <a:spcAft>
+                <a:spcPts val="0"/>
+              </a:spcAft>
+              <a:buSzPts val="1400"/>
+              <a:buNone/>
+              <a:defRPr/>
+            </a:lvl6pPr>
+            <a:lvl7pPr lvl="6" algn="l">
+              <a:spcBef>
+                <a:spcPts val="0"/>
+              </a:spcBef>
+              <a:spcAft>
+                <a:spcPts val="0"/>
+              </a:spcAft>
+              <a:buSzPts val="1400"/>
+              <a:buNone/>
+              <a:defRPr/>
+            </a:lvl7pPr>
+            <a:lvl8pPr lvl="7" algn="l">
+              <a:spcBef>
+                <a:spcPts val="0"/>
+              </a:spcBef>
+              <a:spcAft>
+                <a:spcPts val="0"/>
+              </a:spcAft>
+              <a:buSzPts val="1400"/>
+              <a:buNone/>
+              <a:defRPr/>
+            </a:lvl8pPr>
+            <a:lvl9pPr lvl="8" algn="l">
+              <a:spcBef>
+                <a:spcPts val="0"/>
+              </a:spcBef>
+              <a:spcAft>
+                <a:spcPts val="0"/>
+              </a:spcAft>
+              <a:buSzPts val="1400"/>
+              <a:buNone/>
+              <a:defRPr/>
+            </a:lvl9pPr>
+          </a:lstStyle>
+          <a:p>
+            <a:endParaRPr/>
+          </a:p>
+        </p:txBody>
+      </p:sp>
+      <p:sp>
+        <p:nvSpPr>
+          <p:cNvPr id="79" name="Google Shape;79;p11"/>
+          <p:cNvSpPr>
+            <a:spLocks noGrp="1"/>
+          </p:cNvSpPr>
+          <p:nvPr>
+            <p:ph type="sldNum" idx="12"/>
+          </p:nvPr>
+        </p:nvSpPr>
+        <p:spPr>
+          <a:xfrm>
+            <a:off x="8531788" y="5648960"/>
+            <a:ext cx="548640" cy="396240"/>
+          </a:xfrm>
+          <a:prstGeom prst="bracketPair">
+            <a:avLst/>
+          </a:prstGeom>
+          <a:noFill/>
+          <a:ln w="19050" cap="flat" cmpd="sng">
+            <a:solidFill>
+              <a:srgbClr val="FFFFFF"/>
+            </a:solidFill>
+            <a:prstDash val="solid"/>
+            <a:round/>
+            <a:headEnd type="none" w="sm" len="sm"/>
+            <a:tailEnd type="none" w="sm" len="sm"/>
+          </a:ln>
+        </p:spPr>
+        <p:txBody>
+          <a:bodyPr spcFirstLastPara="1" wrap="square" lIns="0" tIns="0" rIns="0" bIns="0" anchor="ctr" anchorCtr="0">
+            <a:noAutofit/>
+          </a:bodyPr>
+          <a:lstStyle>
+            <a:lvl1pPr marL="0" lvl="0" indent="0" algn="ctr">
+              <a:spcBef>
+                <a:spcPts val="0"/>
+              </a:spcBef>
+              <a:buNone/>
+              <a:defRPr/>
+            </a:lvl1pPr>
+            <a:lvl2pPr marL="0" lvl="1" indent="0" algn="ctr">
+              <a:spcBef>
+                <a:spcPts val="0"/>
+              </a:spcBef>
+              <a:buNone/>
+              <a:defRPr/>
+            </a:lvl2pPr>
+            <a:lvl3pPr marL="0" lvl="2" indent="0" algn="ctr">
+              <a:spcBef>
+                <a:spcPts val="0"/>
+              </a:spcBef>
+              <a:buNone/>
+              <a:defRPr/>
+            </a:lvl3pPr>
+            <a:lvl4pPr marL="0" lvl="3" indent="0" algn="ctr">
+              <a:spcBef>
+                <a:spcPts val="0"/>
+              </a:spcBef>
+              <a:buNone/>
+              <a:defRPr/>
+            </a:lvl4pPr>
+            <a:lvl5pPr marL="0" lvl="4" indent="0" algn="ctr">
+              <a:spcBef>
+                <a:spcPts val="0"/>
+              </a:spcBef>
+              <a:buNone/>
+              <a:defRPr/>
+            </a:lvl5pPr>
+            <a:lvl6pPr marL="0" lvl="5" indent="0" algn="ctr">
+              <a:spcBef>
+                <a:spcPts val="0"/>
+              </a:spcBef>
+              <a:buNone/>
+              <a:defRPr/>
+            </a:lvl6pPr>
+            <a:lvl7pPr marL="0" lvl="6" indent="0" algn="ctr">
+              <a:spcBef>
+                <a:spcPts val="0"/>
+              </a:spcBef>
+              <a:buNone/>
+              <a:defRPr/>
+            </a:lvl7pPr>
+            <a:lvl8pPr marL="0" lvl="7" indent="0" algn="ctr">
+              <a:spcBef>
+                <a:spcPts val="0"/>
+              </a:spcBef>
+              <a:buNone/>
+              <a:defRPr/>
+            </a:lvl8pPr>
+            <a:lvl9pPr marL="0" lvl="8" indent="0" algn="ctr">
+              <a:spcBef>
+                <a:spcPts val="0"/>
+              </a:spcBef>
+              <a:buNone/>
+              <a:defRPr/>
+            </a:lvl9pPr>
+          </a:lstStyle>
+          <a:p>
+            <a:pPr marL="0" lvl="0" indent="0" algn="ctr" rtl="0">
+              <a:spcBef>
+                <a:spcPts val="0"/>
+              </a:spcBef>
+              <a:spcAft>
+                <a:spcPts val="0"/>
+              </a:spcAft>
+              <a:buNone/>
+            </a:pPr>
+            <a:fld id="{00000000-1234-1234-1234-123412341234}" type="slidenum">
+              <a:rPr lang="en-US"/>
+              <a:pPr marL="0" lvl="0" indent="0" algn="ctr" rtl="0">
+                <a:spcBef>
+                  <a:spcPts val="0"/>
+                </a:spcBef>
+                <a:spcAft>
+                  <a:spcPts val="0"/>
+                </a:spcAft>
+                <a:buNone/>
+              </a:pPr>
+              <a:t>‹#›</a:t>
+            </a:fld>
             <a:endParaRPr/>
           </a:p>
         </p:txBody>
@@ -11250,15 +10316,14 @@
   <p:sldLayoutIdLst>
     <p:sldLayoutId id="2147483648" r:id="rId1"/>
     <p:sldLayoutId id="2147483649" r:id="rId2"/>
-    <p:sldLayoutId id="2147483650" r:id="rId3"/>
-    <p:sldLayoutId id="2147483651" r:id="rId4"/>
-    <p:sldLayoutId id="2147483652" r:id="rId5"/>
-    <p:sldLayoutId id="2147483653" r:id="rId6"/>
-    <p:sldLayoutId id="2147483654" r:id="rId7"/>
-    <p:sldLayoutId id="2147483655" r:id="rId8"/>
-    <p:sldLayoutId id="2147483656" r:id="rId9"/>
-    <p:sldLayoutId id="2147483657" r:id="rId10"/>
-    <p:sldLayoutId id="2147483658" r:id="rId11"/>
+    <p:sldLayoutId id="2147483651" r:id="rId3"/>
+    <p:sldLayoutId id="2147483652" r:id="rId4"/>
+    <p:sldLayoutId id="2147483653" r:id="rId5"/>
+    <p:sldLayoutId id="2147483654" r:id="rId6"/>
+    <p:sldLayoutId id="2147483655" r:id="rId7"/>
+    <p:sldLayoutId id="2147483656" r:id="rId8"/>
+    <p:sldLayoutId id="2147483657" r:id="rId9"/>
+    <p:sldLayoutId id="2147483658" r:id="rId10"/>
   </p:sldLayoutIdLst>
   <p:hf sldNum="0" hdr="0" ftr="0" dt="0"/>
   <p:txStyles>
@@ -12095,724 +11160,6 @@
 </p:sld>
 </file>
 
-<file path=ppt/slides/slide10.xml><?xml version="1.0" encoding="utf-8"?>
-<p:sld xmlns:a="http://schemas.openxmlformats.org/drawingml/2006/main" xmlns:r="http://schemas.openxmlformats.org/officeDocument/2006/relationships" xmlns:p="http://schemas.openxmlformats.org/presentationml/2006/main">
-  <p:cSld>
-    <p:spTree>
-      <p:nvGrpSpPr>
-        <p:cNvPr id="1" name=""/>
-        <p:cNvGrpSpPr/>
-        <p:nvPr/>
-      </p:nvGrpSpPr>
-      <p:grpSpPr>
-        <a:xfrm>
-          <a:off x="0" y="0"/>
-          <a:ext cx="0" cy="0"/>
-          <a:chOff x="0" y="0"/>
-          <a:chExt cx="0" cy="0"/>
-        </a:xfrm>
-      </p:grpSpPr>
-      <p:sp>
-        <p:nvSpPr>
-          <p:cNvPr id="2" name="標題 1"/>
-          <p:cNvSpPr>
-            <a:spLocks noGrp="1"/>
-          </p:cNvSpPr>
-          <p:nvPr>
-            <p:ph type="title"/>
-          </p:nvPr>
-        </p:nvSpPr>
-        <p:spPr/>
-        <p:txBody>
-          <a:bodyPr/>
-          <a:lstStyle/>
-          <a:p>
-            <a:r>
-              <a:rPr lang="zh-TW" altLang="en-US" dirty="0" smtClean="0"/>
-              <a:t>早期設定方式</a:t>
-            </a:r>
-            <a:r>
-              <a:rPr lang="en-US" altLang="zh-TW" dirty="0" smtClean="0"/>
-              <a:t>(</a:t>
-            </a:r>
-            <a:r>
-              <a:rPr lang="zh-TW" altLang="en-US" dirty="0" smtClean="0"/>
-              <a:t>去年</a:t>
-            </a:r>
-            <a:r>
-              <a:rPr lang="en-US" altLang="zh-TW" dirty="0" smtClean="0"/>
-              <a:t>)</a:t>
-            </a:r>
-            <a:endParaRPr lang="zh-TW" altLang="en-US" dirty="0"/>
-          </a:p>
-        </p:txBody>
-      </p:sp>
-      <p:sp>
-        <p:nvSpPr>
-          <p:cNvPr id="3" name="文字版面配置區 2"/>
-          <p:cNvSpPr>
-            <a:spLocks noGrp="1"/>
-          </p:cNvSpPr>
-          <p:nvPr>
-            <p:ph type="body" idx="1"/>
-          </p:nvPr>
-        </p:nvSpPr>
-        <p:spPr/>
-        <p:txBody>
-          <a:bodyPr/>
-          <a:lstStyle/>
-          <a:p>
-            <a:r>
-              <a:rPr lang="zh-TW" altLang="en-US" dirty="0" smtClean="0"/>
-              <a:t>以下為早期設定</a:t>
-            </a:r>
-            <a:r>
-              <a:rPr lang="en-US" altLang="zh-TW" dirty="0" err="1" smtClean="0"/>
-              <a:t>tensorflow</a:t>
-            </a:r>
-            <a:endParaRPr lang="en-US" altLang="zh-TW" dirty="0" smtClean="0"/>
-          </a:p>
-          <a:p>
-            <a:r>
-              <a:rPr lang="en-US" altLang="zh-TW" dirty="0" smtClean="0"/>
-              <a:t>Python3.7</a:t>
-            </a:r>
-          </a:p>
-          <a:p>
-            <a:r>
-              <a:rPr lang="en-US" altLang="zh-TW" dirty="0" smtClean="0"/>
-              <a:t>Tensorflow2.0</a:t>
-            </a:r>
-          </a:p>
-          <a:p>
-            <a:r>
-              <a:rPr lang="en-US" altLang="zh-TW" dirty="0" smtClean="0"/>
-              <a:t>Opencv4</a:t>
-            </a:r>
-          </a:p>
-          <a:p>
-            <a:r>
-              <a:rPr lang="en-US" altLang="zh-TW" dirty="0" smtClean="0"/>
-              <a:t>(</a:t>
-            </a:r>
-            <a:r>
-              <a:rPr lang="zh-TW" altLang="en-US" dirty="0" smtClean="0"/>
-              <a:t>可以配合</a:t>
-            </a:r>
-            <a:r>
-              <a:rPr lang="en-US" altLang="zh-TW" dirty="0" err="1" smtClean="0"/>
-              <a:t>yolo</a:t>
-            </a:r>
-            <a:r>
-              <a:rPr lang="en-US" altLang="zh-TW" dirty="0" smtClean="0"/>
-              <a:t>….)</a:t>
-            </a:r>
-          </a:p>
-          <a:p>
-            <a:endParaRPr lang="en-US" altLang="zh-TW" dirty="0" smtClean="0"/>
-          </a:p>
-          <a:p>
-            <a:r>
-              <a:rPr lang="en-US" altLang="zh-TW" dirty="0" smtClean="0"/>
-              <a:t>….</a:t>
-            </a:r>
-            <a:r>
-              <a:rPr lang="zh-TW" altLang="en-US" dirty="0" smtClean="0"/>
-              <a:t>總之很混亂的大戰</a:t>
-            </a:r>
-            <a:r>
-              <a:rPr lang="en-US" altLang="zh-TW" dirty="0" smtClean="0"/>
-              <a:t>XD</a:t>
-            </a:r>
-          </a:p>
-          <a:p>
-            <a:endParaRPr lang="en-US" altLang="zh-TW" dirty="0" smtClean="0"/>
-          </a:p>
-          <a:p>
-            <a:endParaRPr lang="en-US" altLang="zh-TW" dirty="0" smtClean="0"/>
-          </a:p>
-        </p:txBody>
-      </p:sp>
-    </p:spTree>
-  </p:cSld>
-  <p:clrMapOvr>
-    <a:masterClrMapping/>
-  </p:clrMapOvr>
-</p:sld>
-</file>
-
-<file path=ppt/slides/slide11.xml><?xml version="1.0" encoding="utf-8"?>
-<p:sld xmlns:a="http://schemas.openxmlformats.org/drawingml/2006/main" xmlns:r="http://schemas.openxmlformats.org/officeDocument/2006/relationships" xmlns:p="http://schemas.openxmlformats.org/presentationml/2006/main">
-  <p:cSld>
-    <p:spTree>
-      <p:nvGrpSpPr>
-        <p:cNvPr id="1" name="Shape 108"/>
-        <p:cNvGrpSpPr/>
-        <p:nvPr/>
-      </p:nvGrpSpPr>
-      <p:grpSpPr>
-        <a:xfrm>
-          <a:off x="0" y="0"/>
-          <a:ext cx="0" cy="0"/>
-          <a:chOff x="0" y="0"/>
-          <a:chExt cx="0" cy="0"/>
-        </a:xfrm>
-      </p:grpSpPr>
-      <p:sp>
-        <p:nvSpPr>
-          <p:cNvPr id="109" name="Google Shape;109;p16"/>
-          <p:cNvSpPr txBox="1">
-            <a:spLocks noGrp="1"/>
-          </p:cNvSpPr>
-          <p:nvPr>
-            <p:ph type="title"/>
-          </p:nvPr>
-        </p:nvSpPr>
-        <p:spPr>
-          <a:xfrm>
-            <a:off x="457200" y="274638"/>
-            <a:ext cx="7620000" cy="1143000"/>
-          </a:xfrm>
-          <a:prstGeom prst="rect">
-            <a:avLst/>
-          </a:prstGeom>
-          <a:noFill/>
-          <a:ln>
-            <a:noFill/>
-          </a:ln>
-        </p:spPr>
-        <p:txBody>
-          <a:bodyPr spcFirstLastPara="1" wrap="square" lIns="91425" tIns="45700" rIns="91425" bIns="45700" anchor="ctr" anchorCtr="0">
-            <a:noAutofit/>
-          </a:bodyPr>
-          <a:lstStyle/>
-          <a:p>
-            <a:pPr marL="0" lvl="0" indent="0" algn="l" rtl="0">
-              <a:spcBef>
-                <a:spcPts val="0"/>
-              </a:spcBef>
-              <a:spcAft>
-                <a:spcPts val="0"/>
-              </a:spcAft>
-              <a:buClr>
-                <a:schemeClr val="dk2"/>
-              </a:buClr>
-              <a:buSzPts val="4600"/>
-              <a:buFont typeface="Cambria"/>
-              <a:buNone/>
-            </a:pPr>
-            <a:r>
-              <a:rPr lang="en-US" dirty="0" err="1" smtClean="0"/>
-              <a:t>環境設定</a:t>
-            </a:r>
-            <a:endParaRPr dirty="0"/>
-          </a:p>
-        </p:txBody>
-      </p:sp>
-      <p:sp>
-        <p:nvSpPr>
-          <p:cNvPr id="110" name="Google Shape;110;p16"/>
-          <p:cNvSpPr txBox="1">
-            <a:spLocks noGrp="1"/>
-          </p:cNvSpPr>
-          <p:nvPr>
-            <p:ph type="body" idx="1"/>
-          </p:nvPr>
-        </p:nvSpPr>
-        <p:spPr>
-          <a:xfrm>
-            <a:off x="457200" y="1600200"/>
-            <a:ext cx="7620000" cy="4800600"/>
-          </a:xfrm>
-          <a:prstGeom prst="rect">
-            <a:avLst/>
-          </a:prstGeom>
-          <a:noFill/>
-          <a:ln>
-            <a:noFill/>
-          </a:ln>
-        </p:spPr>
-        <p:txBody>
-          <a:bodyPr spcFirstLastPara="1" wrap="square" lIns="91425" tIns="45700" rIns="91425" bIns="45700" anchor="t" anchorCtr="0">
-            <a:normAutofit/>
-          </a:bodyPr>
-          <a:lstStyle/>
-          <a:p>
-            <a:pPr marL="342900" lvl="0" indent="-228600" algn="l" rtl="0">
-              <a:spcBef>
-                <a:spcPts val="0"/>
-              </a:spcBef>
-              <a:spcAft>
-                <a:spcPts val="0"/>
-              </a:spcAft>
-              <a:buSzPts val="2200"/>
-              <a:buChar char="•"/>
-            </a:pPr>
-            <a:r>
-              <a:rPr lang="en-US" dirty="0" err="1"/>
-              <a:t>安裝anaconda</a:t>
-            </a:r>
-            <a:endParaRPr dirty="0"/>
-          </a:p>
-          <a:p>
-            <a:pPr marL="342900" lvl="0" indent="-228600" algn="l" rtl="0">
-              <a:spcBef>
-                <a:spcPts val="440"/>
-              </a:spcBef>
-              <a:spcAft>
-                <a:spcPts val="0"/>
-              </a:spcAft>
-              <a:buSzPts val="2200"/>
-              <a:buChar char="•"/>
-            </a:pPr>
-            <a:r>
-              <a:rPr lang="en-US" dirty="0" err="1"/>
-              <a:t>在console下指令，三行就搞定</a:t>
-            </a:r>
-            <a:endParaRPr dirty="0"/>
-          </a:p>
-          <a:p>
-            <a:pPr marL="640080" lvl="1" indent="-228600" algn="l" rtl="0">
-              <a:spcBef>
-                <a:spcPts val="400"/>
-              </a:spcBef>
-              <a:spcAft>
-                <a:spcPts val="0"/>
-              </a:spcAft>
-              <a:buSzPts val="2000"/>
-              <a:buChar char="•"/>
-            </a:pPr>
-            <a:r>
-              <a:rPr lang="en-US" dirty="0" err="1"/>
-              <a:t>conda</a:t>
-            </a:r>
-            <a:r>
-              <a:rPr lang="en-US" dirty="0"/>
-              <a:t> create -n </a:t>
-            </a:r>
-            <a:r>
-              <a:rPr lang="en-US" dirty="0" err="1"/>
-              <a:t>mlenv</a:t>
-            </a:r>
-            <a:r>
-              <a:rPr lang="en-US" dirty="0"/>
-              <a:t> python=3.7 </a:t>
-            </a:r>
-            <a:endParaRPr dirty="0"/>
-          </a:p>
-          <a:p>
-            <a:pPr marL="640080" lvl="1" indent="-228600" algn="l" rtl="0">
-              <a:spcBef>
-                <a:spcPts val="400"/>
-              </a:spcBef>
-              <a:spcAft>
-                <a:spcPts val="0"/>
-              </a:spcAft>
-              <a:buSzPts val="2000"/>
-              <a:buChar char="•"/>
-            </a:pPr>
-            <a:r>
-              <a:rPr lang="en-US" dirty="0"/>
-              <a:t>activate </a:t>
-            </a:r>
-            <a:r>
-              <a:rPr lang="en-US" dirty="0" err="1"/>
-              <a:t>mlenv</a:t>
-            </a:r>
-            <a:endParaRPr dirty="0"/>
-          </a:p>
-          <a:p>
-            <a:pPr marL="640080" lvl="1" indent="-228600" algn="l" rtl="0">
-              <a:spcBef>
-                <a:spcPts val="400"/>
-              </a:spcBef>
-              <a:spcAft>
-                <a:spcPts val="0"/>
-              </a:spcAft>
-              <a:buSzPts val="2000"/>
-              <a:buChar char="•"/>
-            </a:pPr>
-            <a:r>
-              <a:rPr lang="en-US" dirty="0"/>
-              <a:t>pip install -r requirements.txt</a:t>
-            </a:r>
-            <a:endParaRPr b="1" dirty="0"/>
-          </a:p>
-          <a:p>
-            <a:pPr marL="342900" lvl="0" indent="-88900" algn="l" rtl="0">
-              <a:spcBef>
-                <a:spcPts val="440"/>
-              </a:spcBef>
-              <a:spcAft>
-                <a:spcPts val="0"/>
-              </a:spcAft>
-              <a:buSzPts val="2200"/>
-              <a:buNone/>
-            </a:pPr>
-            <a:endParaRPr dirty="0"/>
-          </a:p>
-        </p:txBody>
-      </p:sp>
-    </p:spTree>
-  </p:cSld>
-  <p:clrMapOvr>
-    <a:masterClrMapping/>
-  </p:clrMapOvr>
-</p:sld>
-</file>
-
-<file path=ppt/slides/slide12.xml><?xml version="1.0" encoding="utf-8"?>
-<p:sld xmlns:a="http://schemas.openxmlformats.org/drawingml/2006/main" xmlns:r="http://schemas.openxmlformats.org/officeDocument/2006/relationships" xmlns:p="http://schemas.openxmlformats.org/presentationml/2006/main">
-  <p:cSld>
-    <p:spTree>
-      <p:nvGrpSpPr>
-        <p:cNvPr id="1" name="Shape 114"/>
-        <p:cNvGrpSpPr/>
-        <p:nvPr/>
-      </p:nvGrpSpPr>
-      <p:grpSpPr>
-        <a:xfrm>
-          <a:off x="0" y="0"/>
-          <a:ext cx="0" cy="0"/>
-          <a:chOff x="0" y="0"/>
-          <a:chExt cx="0" cy="0"/>
-        </a:xfrm>
-      </p:grpSpPr>
-      <p:sp>
-        <p:nvSpPr>
-          <p:cNvPr id="115" name="Google Shape;115;p17"/>
-          <p:cNvSpPr txBox="1">
-            <a:spLocks noGrp="1"/>
-          </p:cNvSpPr>
-          <p:nvPr>
-            <p:ph type="title"/>
-          </p:nvPr>
-        </p:nvSpPr>
-        <p:spPr>
-          <a:xfrm>
-            <a:off x="457200" y="274638"/>
-            <a:ext cx="7620000" cy="1143000"/>
-          </a:xfrm>
-          <a:prstGeom prst="rect">
-            <a:avLst/>
-          </a:prstGeom>
-          <a:noFill/>
-          <a:ln>
-            <a:noFill/>
-          </a:ln>
-        </p:spPr>
-        <p:txBody>
-          <a:bodyPr spcFirstLastPara="1" wrap="square" lIns="91425" tIns="45700" rIns="91425" bIns="45700" anchor="ctr" anchorCtr="0">
-            <a:noAutofit/>
-          </a:bodyPr>
-          <a:lstStyle/>
-          <a:p>
-            <a:pPr marL="0" lvl="0" indent="0" algn="l" rtl="0">
-              <a:spcBef>
-                <a:spcPts val="0"/>
-              </a:spcBef>
-              <a:spcAft>
-                <a:spcPts val="0"/>
-              </a:spcAft>
-              <a:buClr>
-                <a:schemeClr val="dk2"/>
-              </a:buClr>
-              <a:buSzPts val="4600"/>
-              <a:buFont typeface="Cambria"/>
-              <a:buNone/>
-            </a:pPr>
-            <a:r>
-              <a:rPr lang="en-US" dirty="0" err="1"/>
-              <a:t>Keras</a:t>
-            </a:r>
-            <a:r>
-              <a:rPr lang="en-US" dirty="0"/>
-              <a:t> </a:t>
-            </a:r>
-            <a:r>
-              <a:rPr lang="en-US" dirty="0" err="1" smtClean="0"/>
-              <a:t>環境設定</a:t>
-            </a:r>
-            <a:endParaRPr dirty="0"/>
-          </a:p>
-        </p:txBody>
-      </p:sp>
-      <p:sp>
-        <p:nvSpPr>
-          <p:cNvPr id="116" name="Google Shape;116;p17"/>
-          <p:cNvSpPr txBox="1">
-            <a:spLocks noGrp="1"/>
-          </p:cNvSpPr>
-          <p:nvPr>
-            <p:ph type="body" idx="1"/>
-          </p:nvPr>
-        </p:nvSpPr>
-        <p:spPr>
-          <a:xfrm>
-            <a:off x="457200" y="1600200"/>
-            <a:ext cx="7620000" cy="4800600"/>
-          </a:xfrm>
-          <a:prstGeom prst="rect">
-            <a:avLst/>
-          </a:prstGeom>
-          <a:noFill/>
-          <a:ln>
-            <a:noFill/>
-          </a:ln>
-        </p:spPr>
-        <p:txBody>
-          <a:bodyPr spcFirstLastPara="1" wrap="square" lIns="91425" tIns="45700" rIns="91425" bIns="45700" anchor="t" anchorCtr="0">
-            <a:normAutofit fontScale="92500" lnSpcReduction="10000"/>
-          </a:bodyPr>
-          <a:lstStyle/>
-          <a:p>
-            <a:pPr marL="342900" lvl="0" indent="-228600" algn="l" rtl="0">
-              <a:spcBef>
-                <a:spcPts val="0"/>
-              </a:spcBef>
-              <a:spcAft>
-                <a:spcPts val="0"/>
-              </a:spcAft>
-              <a:buSzPct val="100000"/>
-              <a:buChar char="•"/>
-            </a:pPr>
-            <a:r>
-              <a:rPr lang="en-US"/>
-              <a:t>“requirements.txt”的內容：</a:t>
-            </a:r>
-            <a:endParaRPr/>
-          </a:p>
-          <a:p>
-            <a:pPr marL="640080" lvl="1" indent="-228600" algn="l" rtl="0">
-              <a:spcBef>
-                <a:spcPts val="370"/>
-              </a:spcBef>
-              <a:spcAft>
-                <a:spcPts val="0"/>
-              </a:spcAft>
-              <a:buSzPct val="100000"/>
-              <a:buChar char="•"/>
-            </a:pPr>
-            <a:r>
-              <a:rPr lang="en-US"/>
-              <a:t>numpy==1.17.3 </a:t>
-            </a:r>
-            <a:endParaRPr/>
-          </a:p>
-          <a:p>
-            <a:pPr marL="640080" lvl="1" indent="-228600" algn="l" rtl="0">
-              <a:spcBef>
-                <a:spcPts val="370"/>
-              </a:spcBef>
-              <a:spcAft>
-                <a:spcPts val="0"/>
-              </a:spcAft>
-              <a:buSzPct val="100000"/>
-              <a:buChar char="•"/>
-            </a:pPr>
-            <a:r>
-              <a:rPr lang="en-US"/>
-              <a:t>matplotlib==3.1.1 </a:t>
-            </a:r>
-            <a:endParaRPr/>
-          </a:p>
-          <a:p>
-            <a:pPr marL="640080" lvl="1" indent="-228600" algn="l" rtl="0">
-              <a:spcBef>
-                <a:spcPts val="370"/>
-              </a:spcBef>
-              <a:spcAft>
-                <a:spcPts val="0"/>
-              </a:spcAft>
-              <a:buSzPct val="100000"/>
-              <a:buChar char="•"/>
-            </a:pPr>
-            <a:r>
-              <a:rPr lang="en-US"/>
-              <a:t>Cython==0.29.13 </a:t>
-            </a:r>
-            <a:endParaRPr/>
-          </a:p>
-          <a:p>
-            <a:pPr marL="640080" lvl="1" indent="-228600" algn="l" rtl="0">
-              <a:spcBef>
-                <a:spcPts val="370"/>
-              </a:spcBef>
-              <a:spcAft>
-                <a:spcPts val="0"/>
-              </a:spcAft>
-              <a:buSzPct val="100000"/>
-              <a:buChar char="•"/>
-            </a:pPr>
-            <a:r>
-              <a:rPr lang="en-US"/>
-              <a:t>opencv-contrib-python==4.1.1.26 </a:t>
-            </a:r>
-            <a:endParaRPr/>
-          </a:p>
-          <a:p>
-            <a:pPr marL="640080" lvl="1" indent="-228600" algn="l" rtl="0">
-              <a:spcBef>
-                <a:spcPts val="370"/>
-              </a:spcBef>
-              <a:spcAft>
-                <a:spcPts val="0"/>
-              </a:spcAft>
-              <a:buSzPct val="100000"/>
-              <a:buChar char="•"/>
-            </a:pPr>
-            <a:r>
-              <a:rPr lang="en-US"/>
-              <a:t>opencv-python==4.1.1.26 </a:t>
-            </a:r>
-            <a:endParaRPr/>
-          </a:p>
-          <a:p>
-            <a:pPr marL="640080" lvl="1" indent="-228600" algn="l" rtl="0">
-              <a:spcBef>
-                <a:spcPts val="370"/>
-              </a:spcBef>
-              <a:spcAft>
-                <a:spcPts val="0"/>
-              </a:spcAft>
-              <a:buSzPct val="100000"/>
-              <a:buChar char="•"/>
-            </a:pPr>
-            <a:r>
-              <a:rPr lang="en-US"/>
-              <a:t>h5py==2.10.0 </a:t>
-            </a:r>
-            <a:endParaRPr/>
-          </a:p>
-          <a:p>
-            <a:pPr marL="640080" lvl="1" indent="-228600" algn="l" rtl="0">
-              <a:spcBef>
-                <a:spcPts val="370"/>
-              </a:spcBef>
-              <a:spcAft>
-                <a:spcPts val="0"/>
-              </a:spcAft>
-              <a:buSzPct val="100000"/>
-              <a:buChar char="•"/>
-            </a:pPr>
-            <a:r>
-              <a:rPr lang="en-US"/>
-              <a:t>jupyter==1.0.0 </a:t>
-            </a:r>
-            <a:endParaRPr/>
-          </a:p>
-          <a:p>
-            <a:pPr marL="640080" lvl="1" indent="-228600" algn="l" rtl="0">
-              <a:spcBef>
-                <a:spcPts val="370"/>
-              </a:spcBef>
-              <a:spcAft>
-                <a:spcPts val="0"/>
-              </a:spcAft>
-              <a:buSzPct val="100000"/>
-              <a:buChar char="•"/>
-            </a:pPr>
-            <a:r>
-              <a:rPr lang="en-US"/>
-              <a:t>pandas==0.25.2 </a:t>
-            </a:r>
-            <a:endParaRPr/>
-          </a:p>
-          <a:p>
-            <a:pPr marL="640080" lvl="1" indent="-228600" algn="l" rtl="0">
-              <a:spcBef>
-                <a:spcPts val="370"/>
-              </a:spcBef>
-              <a:spcAft>
-                <a:spcPts val="0"/>
-              </a:spcAft>
-              <a:buSzPct val="100000"/>
-              <a:buChar char="•"/>
-            </a:pPr>
-            <a:r>
-              <a:rPr lang="en-US"/>
-              <a:t>scikit-learn==0.21.3 </a:t>
-            </a:r>
-            <a:endParaRPr/>
-          </a:p>
-          <a:p>
-            <a:pPr marL="640080" lvl="1" indent="-228600" algn="l" rtl="0">
-              <a:spcBef>
-                <a:spcPts val="370"/>
-              </a:spcBef>
-              <a:spcAft>
-                <a:spcPts val="0"/>
-              </a:spcAft>
-              <a:buSzPct val="100000"/>
-              <a:buChar char="•"/>
-            </a:pPr>
-            <a:r>
-              <a:rPr lang="en-US"/>
-              <a:t>scipy==1.3.1 </a:t>
-            </a:r>
-            <a:endParaRPr/>
-          </a:p>
-          <a:p>
-            <a:pPr marL="640080" lvl="1" indent="-228600" algn="l" rtl="0">
-              <a:spcBef>
-                <a:spcPts val="370"/>
-              </a:spcBef>
-              <a:spcAft>
-                <a:spcPts val="0"/>
-              </a:spcAft>
-              <a:buSzPct val="100000"/>
-              <a:buChar char="•"/>
-            </a:pPr>
-            <a:r>
-              <a:rPr lang="en-US"/>
-              <a:t>seaborn==0.9.0 </a:t>
-            </a:r>
-            <a:endParaRPr/>
-          </a:p>
-          <a:p>
-            <a:pPr marL="640080" lvl="1" indent="-228600" algn="l" rtl="0">
-              <a:spcBef>
-                <a:spcPts val="370"/>
-              </a:spcBef>
-              <a:spcAft>
-                <a:spcPts val="0"/>
-              </a:spcAft>
-              <a:buSzPct val="100000"/>
-              <a:buChar char="•"/>
-            </a:pPr>
-            <a:r>
-              <a:rPr lang="en-US"/>
-              <a:t>tensorflow==2.0.0 </a:t>
-            </a:r>
-            <a:endParaRPr/>
-          </a:p>
-          <a:p>
-            <a:pPr marL="640080" lvl="1" indent="-228600" algn="l" rtl="0">
-              <a:spcBef>
-                <a:spcPts val="370"/>
-              </a:spcBef>
-              <a:spcAft>
-                <a:spcPts val="0"/>
-              </a:spcAft>
-              <a:buSzPct val="100000"/>
-              <a:buChar char="•"/>
-            </a:pPr>
-            <a:r>
-              <a:rPr lang="en-US"/>
-              <a:t>Keras==2.3.1</a:t>
-            </a:r>
-            <a:endParaRPr/>
-          </a:p>
-        </p:txBody>
-      </p:sp>
-    </p:spTree>
-  </p:cSld>
-  <p:clrMapOvr>
-    <a:masterClrMapping/>
-  </p:clrMapOvr>
-</p:sld>
-</file>
-
 <file path=ppt/slides/slide2.xml><?xml version="1.0" encoding="utf-8"?>
 <p:sld xmlns:a="http://schemas.openxmlformats.org/drawingml/2006/main" xmlns:r="http://schemas.openxmlformats.org/officeDocument/2006/relationships" xmlns:p="http://schemas.openxmlformats.org/presentationml/2006/main">
   <p:cSld>
@@ -13459,6 +11806,26 @@
               <a:rPr lang="en-US" dirty="0" err="1" smtClean="0"/>
               <a:t>環境設定</a:t>
             </a:r>
+            <a:r>
+              <a:rPr lang="en-US" dirty="0" smtClean="0"/>
+              <a:t>(</a:t>
+            </a:r>
+            <a:r>
+              <a:rPr lang="zh-TW" altLang="en-US" dirty="0" smtClean="0"/>
+              <a:t>跟</a:t>
+            </a:r>
+            <a:r>
+              <a:rPr lang="en-US" altLang="zh-TW" dirty="0" err="1" smtClean="0"/>
+              <a:t>colab</a:t>
+            </a:r>
+            <a:r>
+              <a:rPr lang="zh-TW" altLang="en-US" dirty="0" smtClean="0"/>
+              <a:t>同版次</a:t>
+            </a:r>
+            <a:r>
+              <a:rPr lang="en-US" altLang="zh-TW" dirty="0" smtClean="0"/>
+              <a:t>)</a:t>
+            </a:r>
             <a:endParaRPr dirty="0"/>
           </a:p>
         </p:txBody>
@@ -13632,7 +11999,7 @@
             </a:r>
             <a:r>
               <a:rPr lang="en-US" dirty="0" smtClean="0"/>
-              <a:t> create --name py37tf python=3.7.1</a:t>
+              <a:t> create --name py37tf python=3.7</a:t>
             </a:r>
           </a:p>
           <a:p>
@@ -13694,7 +12061,7 @@
             </a:r>
             <a:r>
               <a:rPr lang="en-US" dirty="0" smtClean="0"/>
-              <a:t>==2.3.0 pandas==1.3.5 </a:t>
+              <a:t>==2.8.2 pandas </a:t>
             </a:r>
             <a:r>
               <a:rPr lang="en-US" dirty="0" err="1" smtClean="0"/>
@@ -13894,16 +12261,8 @@
               <a:t>(</a:t>
             </a:r>
             <a:r>
-              <a:rPr lang="zh-TW" altLang="en-US" dirty="0" smtClean="0"/>
-              <a:t>跟</a:t>
-            </a:r>
-            <a:r>
-              <a:rPr lang="en-US" altLang="zh-TW" dirty="0" err="1" smtClean="0"/>
-              <a:t>colab</a:t>
-            </a:r>
-            <a:r>
-              <a:rPr lang="zh-TW" altLang="en-US" dirty="0" smtClean="0"/>
-              <a:t>同版次</a:t>
+              <a:rPr lang="en-US" dirty="0" err="1" smtClean="0"/>
+              <a:t>增加opencv</a:t>
             </a:r>
             <a:r>
               <a:rPr lang="en-US" altLang="zh-TW" dirty="0" smtClean="0"/>
@@ -13938,7 +12297,7 @@
         </p:spPr>
         <p:txBody>
           <a:bodyPr spcFirstLastPara="1" wrap="square" lIns="91425" tIns="45700" rIns="91425" bIns="45700" anchor="t" anchorCtr="0">
-            <a:normAutofit lnSpcReduction="10000"/>
+            <a:normAutofit fontScale="92500" lnSpcReduction="10000"/>
           </a:bodyPr>
           <a:lstStyle/>
           <a:p>
@@ -14082,11 +12441,48 @@
             </a:r>
             <a:r>
               <a:rPr lang="en-US" dirty="0" smtClean="0"/>
-              <a:t> create --name py37tf </a:t>
+              <a:t> create --name </a:t>
             </a:r>
             <a:r>
               <a:rPr lang="en-US" dirty="0" smtClean="0"/>
-              <a:t>python=3.7</a:t>
+              <a:t>py37tf28cv python=3.7</a:t>
+            </a:r>
+          </a:p>
+          <a:p>
+            <a:pPr marL="342900" indent="-228600">
+              <a:spcBef>
+                <a:spcPts val="0"/>
+              </a:spcBef>
+              <a:buSzPts val="2200"/>
+            </a:pPr>
+            <a:r>
+              <a:rPr lang="zh-TW" altLang="en-US" dirty="0" smtClean="0"/>
+              <a:t>啟用</a:t>
+            </a:r>
+            <a:r>
+              <a:rPr lang="zh-TW" altLang="en-US" dirty="0" smtClean="0"/>
+              <a:t>虛擬環境</a:t>
+            </a:r>
+            <a:endParaRPr lang="en-US" altLang="zh-TW" dirty="0" smtClean="0"/>
+          </a:p>
+          <a:p>
+            <a:pPr marL="800100" lvl="1" indent="-228600">
+              <a:spcBef>
+                <a:spcPts val="0"/>
+              </a:spcBef>
+              <a:buSzPts val="2200"/>
+            </a:pPr>
+            <a:r>
+              <a:rPr lang="en-US" dirty="0" err="1" smtClean="0"/>
+              <a:t>conda</a:t>
+            </a:r>
+            <a:r>
+              <a:rPr lang="en-US" dirty="0" smtClean="0"/>
+              <a:t> activate </a:t>
+            </a:r>
+            <a:r>
+              <a:rPr lang="en-US" dirty="0" smtClean="0"/>
+              <a:t>py37tf28cv</a:t>
             </a:r>
             <a:endParaRPr lang="en-US" dirty="0" smtClean="0"/>
           </a:p>
@@ -14099,7 +12495,11 @@
             </a:pPr>
             <a:r>
               <a:rPr lang="zh-TW" altLang="en-US" dirty="0" smtClean="0"/>
-              <a:t>啟用虛擬環境</a:t>
+              <a:t>直接安裝需要的</a:t>
+            </a:r>
+            <a:r>
+              <a:rPr lang="zh-TW" altLang="en-US" dirty="0" smtClean="0"/>
+              <a:t>套件</a:t>
             </a:r>
             <a:endParaRPr lang="en-US" altLang="zh-TW" dirty="0" smtClean="0"/>
           </a:p>
@@ -14111,37 +12511,12 @@
               <a:buSzPts val="2200"/>
             </a:pPr>
             <a:r>
-              <a:rPr lang="en-US" dirty="0" err="1" smtClean="0"/>
-              <a:t>conda</a:t>
-            </a:r>
-            <a:r>
               <a:rPr lang="en-US" dirty="0" smtClean="0"/>
-              <a:t> activate py37tf</a:t>
-            </a:r>
-          </a:p>
-          <a:p>
-            <a:pPr marL="342900" indent="-228600">
-              <a:spcBef>
-                <a:spcPts val="0"/>
-              </a:spcBef>
-              <a:buSzPts val="2200"/>
-            </a:pPr>
-            <a:r>
-              <a:rPr lang="zh-TW" altLang="en-US" dirty="0" smtClean="0"/>
-              <a:t>直接安裝需要的套件</a:t>
-            </a:r>
-            <a:endParaRPr lang="en-US" altLang="zh-TW" dirty="0" smtClean="0"/>
-          </a:p>
-          <a:p>
-            <a:pPr marL="800100" lvl="1" indent="-228600">
-              <a:spcBef>
-                <a:spcPts val="0"/>
-              </a:spcBef>
-              <a:buSzPts val="2200"/>
-            </a:pPr>
+              <a:t>pip </a:t>
+            </a:r>
             <a:r>
               <a:rPr lang="en-US" dirty="0" smtClean="0"/>
-              <a:t>pip install </a:t>
+              <a:t>install </a:t>
             </a:r>
             <a:r>
               <a:rPr lang="en-US" dirty="0" err="1" smtClean="0"/>
@@ -14157,7 +12532,7 @@
             </a:r>
             <a:r>
               <a:rPr lang="en-US" dirty="0" err="1" smtClean="0"/>
-              <a:t>statsmodels</a:t>
+              <a:t>matplotlib</a:t>
             </a:r>
             <a:r>
               <a:rPr lang="en-US" dirty="0" smtClean="0"/>
@@ -14165,7 +12540,7 @@
             </a:r>
             <a:r>
               <a:rPr lang="en-US" dirty="0" err="1" smtClean="0"/>
-              <a:t>matplotlib</a:t>
+              <a:t>jupyter</a:t>
             </a:r>
             <a:r>
               <a:rPr lang="en-US" dirty="0" smtClean="0"/>
@@ -14173,7 +12548,23 @@
             </a:r>
             <a:r>
               <a:rPr lang="en-US" dirty="0" err="1" smtClean="0"/>
-              <a:t>jupyter</a:t>
+              <a:t>opencv</a:t>
+            </a:r>
+            <a:r>
+              <a:rPr lang="en-US" dirty="0" smtClean="0"/>
+              <a:t>-python </a:t>
+            </a:r>
+            <a:r>
+              <a:rPr lang="en-US" dirty="0" err="1" smtClean="0"/>
+              <a:t>scikit</a:t>
+            </a:r>
+            <a:r>
+              <a:rPr lang="en-US" dirty="0" smtClean="0"/>
+              <a:t>-learn </a:t>
+            </a:r>
+            <a:r>
+              <a:rPr lang="en-US" dirty="0" err="1" smtClean="0"/>
+              <a:t>imutils</a:t>
             </a:r>
             <a:endParaRPr lang="en-US" dirty="0" smtClean="0"/>
           </a:p>
@@ -14646,67 +13037,6 @@
             <a:r>
               <a:rPr lang="zh-TW" altLang="en-US" dirty="0" smtClean="0"/>
               <a:t>環境</a:t>
-            </a:r>
-            <a:endParaRPr lang="zh-TW" altLang="en-US" dirty="0"/>
-          </a:p>
-        </p:txBody>
-      </p:sp>
-    </p:spTree>
-  </p:cSld>
-  <p:clrMapOvr>
-    <a:masterClrMapping/>
-  </p:clrMapOvr>
-</p:sld>
-</file>
-
-<file path=ppt/slides/slide9.xml><?xml version="1.0" encoding="utf-8"?>
-<p:sld xmlns:a="http://schemas.openxmlformats.org/drawingml/2006/main" xmlns:r="http://schemas.openxmlformats.org/officeDocument/2006/relationships" xmlns:p="http://schemas.openxmlformats.org/presentationml/2006/main">
-  <p:cSld>
-    <p:spTree>
-      <p:nvGrpSpPr>
-        <p:cNvPr id="1" name=""/>
-        <p:cNvGrpSpPr/>
-        <p:nvPr/>
-      </p:nvGrpSpPr>
-      <p:grpSpPr>
-        <a:xfrm>
-          <a:off x="0" y="0"/>
-          <a:ext cx="0" cy="0"/>
-          <a:chOff x="0" y="0"/>
-          <a:chExt cx="0" cy="0"/>
-        </a:xfrm>
-      </p:grpSpPr>
-      <p:sp>
-        <p:nvSpPr>
-          <p:cNvPr id="2" name="標題 1"/>
-          <p:cNvSpPr>
-            <a:spLocks noGrp="1"/>
-          </p:cNvSpPr>
-          <p:nvPr>
-            <p:ph type="title"/>
-          </p:nvPr>
-        </p:nvSpPr>
-        <p:spPr>
-          <a:xfrm>
-            <a:off x="736827" y="2583542"/>
-            <a:ext cx="7659687" cy="1168400"/>
-          </a:xfrm>
-        </p:spPr>
-        <p:txBody>
-          <a:bodyPr/>
-          <a:lstStyle/>
-          <a:p>
-            <a:r>
-              <a:rPr lang="en-US" altLang="zh-TW" dirty="0" smtClean="0"/>
-              <a:t>====</a:t>
-            </a:r>
-            <a:r>
-              <a:rPr lang="zh-TW" altLang="en-US" dirty="0" smtClean="0"/>
-              <a:t> 我是分隔線 </a:t>
-            </a:r>
-            <a:r>
-              <a:rPr lang="en-US" altLang="zh-TW" dirty="0" smtClean="0"/>
-              <a:t>====</a:t>
             </a:r>
             <a:endParaRPr lang="zh-TW" altLang="en-US" dirty="0"/>
           </a:p>
